--- a/[JAVA]/C5/TA26/ta26.pptx
+++ b/[JAVA]/C5/TA26/ta26.pptx
@@ -9,10 +9,6 @@
     <p:sldId id="268" r:id="rId3"/>
     <p:sldId id="269" r:id="rId4"/>
     <p:sldId id="270" r:id="rId5"/>
-    <p:sldId id="271" r:id="rId6"/>
-    <p:sldId id="272" r:id="rId7"/>
-    <p:sldId id="273" r:id="rId8"/>
-    <p:sldId id="274" r:id="rId9"/>
   </p:sldIdLst>
   <p:sldSz cx="12192000" cy="6858000"/>
   <p:notesSz cx="6858000" cy="9144000"/>
@@ -3336,6 +3332,7 @@
       <p:pic>
         <p:nvPicPr>
           <p:cNvPr id="5" name="Imagen 4">
+            <a:hlinkClick r:id="rId2"/>
             <a:extLst>
               <a:ext uri="{FF2B5EF4-FFF2-40B4-BE49-F238E27FC236}">
                 <a16:creationId xmlns:a16="http://schemas.microsoft.com/office/drawing/2014/main" id="{7098C312-EF9D-F46E-BB4B-A90C2FC7906F}"/>
@@ -3348,7 +3345,7 @@
           <p:nvPr/>
         </p:nvPicPr>
         <p:blipFill>
-          <a:blip r:embed="rId2"/>
+          <a:blip r:embed="rId3"/>
           <a:stretch>
             <a:fillRect/>
           </a:stretch>
@@ -3366,7 +3363,7 @@
       <p:pic>
         <p:nvPicPr>
           <p:cNvPr id="6" name="Imagen 5">
-            <a:hlinkClick r:id="rId3"/>
+            <a:hlinkClick r:id="rId4"/>
             <a:extLst>
               <a:ext uri="{FF2B5EF4-FFF2-40B4-BE49-F238E27FC236}">
                 <a16:creationId xmlns:a16="http://schemas.microsoft.com/office/drawing/2014/main" id="{57FE4699-2DAC-62C4-27C7-984A0B2668F5}"/>
@@ -3379,7 +3376,7 @@
           <p:nvPr/>
         </p:nvPicPr>
         <p:blipFill>
-          <a:blip r:embed="rId4"/>
+          <a:blip r:embed="rId5"/>
           <a:stretch>
             <a:fillRect/>
           </a:stretch>
@@ -3409,7 +3406,7 @@
           <p:nvPr/>
         </p:nvPicPr>
         <p:blipFill>
-          <a:blip r:embed="rId5"/>
+          <a:blip r:embed="rId6"/>
           <a:stretch>
             <a:fillRect/>
           </a:stretch>
@@ -3456,424 +3453,6 @@
       </p:grpSpPr>
       <p:sp>
         <p:nvSpPr>
-          <p:cNvPr id="8" name="CuadroTexto 7">
-            <a:extLst>
-              <a:ext uri="{FF2B5EF4-FFF2-40B4-BE49-F238E27FC236}">
-                <a16:creationId xmlns:a16="http://schemas.microsoft.com/office/drawing/2014/main" id="{E5D817FA-5021-C44F-AF10-D416344C2287}"/>
-              </a:ext>
-            </a:extLst>
-          </p:cNvPr>
-          <p:cNvSpPr txBox="1"/>
-          <p:nvPr/>
-        </p:nvSpPr>
-        <p:spPr>
-          <a:xfrm>
-            <a:off x="341753" y="912562"/>
-            <a:ext cx="4741525" cy="369332"/>
-          </a:xfrm>
-          <a:prstGeom prst="rect">
-            <a:avLst/>
-          </a:prstGeom>
-          <a:noFill/>
-        </p:spPr>
-        <p:txBody>
-          <a:bodyPr wrap="square" rtlCol="0">
-            <a:spAutoFit/>
-          </a:bodyPr>
-          <a:lstStyle/>
-          <a:p>
-            <a:r>
-              <a:rPr lang="es-ES" dirty="0"/>
-              <a:t>DB mvc_db1 creada para realizar el ejercicio:</a:t>
-            </a:r>
-          </a:p>
-        </p:txBody>
-      </p:sp>
-      <p:cxnSp>
-        <p:nvCxnSpPr>
-          <p:cNvPr id="12" name="Conector: angular 11">
-            <a:extLst>
-              <a:ext uri="{FF2B5EF4-FFF2-40B4-BE49-F238E27FC236}">
-                <a16:creationId xmlns:a16="http://schemas.microsoft.com/office/drawing/2014/main" id="{B5785E3B-25BC-9478-AA64-8599D33632B9}"/>
-              </a:ext>
-            </a:extLst>
-          </p:cNvPr>
-          <p:cNvCxnSpPr>
-            <a:cxnSpLocks/>
-            <a:stCxn id="15" idx="2"/>
-            <a:endCxn id="14" idx="1"/>
-          </p:cNvCxnSpPr>
-          <p:nvPr/>
-        </p:nvCxnSpPr>
-        <p:spPr>
-          <a:xfrm rot="16200000" flipH="1">
-            <a:off x="2252823" y="3296191"/>
-            <a:ext cx="685860" cy="1345144"/>
-          </a:xfrm>
-          <a:prstGeom prst="bentConnector2">
-            <a:avLst/>
-          </a:prstGeom>
-          <a:ln w="28575">
-            <a:solidFill>
-              <a:srgbClr val="FFC000"/>
-            </a:solidFill>
-            <a:tailEnd type="triangle"/>
-          </a:ln>
-        </p:spPr>
-        <p:style>
-          <a:lnRef idx="2">
-            <a:schemeClr val="accent1"/>
-          </a:lnRef>
-          <a:fillRef idx="0">
-            <a:schemeClr val="accent1"/>
-          </a:fillRef>
-          <a:effectRef idx="1">
-            <a:schemeClr val="accent1"/>
-          </a:effectRef>
-          <a:fontRef idx="minor">
-            <a:schemeClr val="tx1"/>
-          </a:fontRef>
-        </p:style>
-      </p:cxnSp>
-      <p:pic>
-        <p:nvPicPr>
-          <p:cNvPr id="5" name="Imagen 4">
-            <a:extLst>
-              <a:ext uri="{FF2B5EF4-FFF2-40B4-BE49-F238E27FC236}">
-                <a16:creationId xmlns:a16="http://schemas.microsoft.com/office/drawing/2014/main" id="{920ABE16-5961-DF56-02E6-95435D16EEA6}"/>
-              </a:ext>
-            </a:extLst>
-          </p:cNvPr>
-          <p:cNvPicPr>
-            <a:picLocks noChangeAspect="1"/>
-          </p:cNvPicPr>
-          <p:nvPr/>
-        </p:nvPicPr>
-        <p:blipFill>
-          <a:blip r:embed="rId2"/>
-          <a:stretch>
-            <a:fillRect/>
-          </a:stretch>
-        </p:blipFill>
-        <p:spPr>
-          <a:xfrm>
-            <a:off x="892232" y="2188318"/>
-            <a:ext cx="1734930" cy="1437515"/>
-          </a:xfrm>
-          <a:prstGeom prst="rect">
-            <a:avLst/>
-          </a:prstGeom>
-        </p:spPr>
-      </p:pic>
-      <p:pic>
-        <p:nvPicPr>
-          <p:cNvPr id="11" name="Imagen 10">
-            <a:extLst>
-              <a:ext uri="{FF2B5EF4-FFF2-40B4-BE49-F238E27FC236}">
-                <a16:creationId xmlns:a16="http://schemas.microsoft.com/office/drawing/2014/main" id="{82127105-39E3-C68B-EB62-941B897FA99B}"/>
-              </a:ext>
-            </a:extLst>
-          </p:cNvPr>
-          <p:cNvPicPr>
-            <a:picLocks noChangeAspect="1"/>
-          </p:cNvPicPr>
-          <p:nvPr/>
-        </p:nvPicPr>
-        <p:blipFill>
-          <a:blip r:embed="rId3"/>
-          <a:stretch>
-            <a:fillRect/>
-          </a:stretch>
-        </p:blipFill>
-        <p:spPr>
-          <a:xfrm>
-            <a:off x="3245463" y="1354982"/>
-            <a:ext cx="1562235" cy="2141406"/>
-          </a:xfrm>
-          <a:prstGeom prst="rect">
-            <a:avLst/>
-          </a:prstGeom>
-        </p:spPr>
-      </p:pic>
-      <p:pic>
-        <p:nvPicPr>
-          <p:cNvPr id="14" name="Imagen 13">
-            <a:extLst>
-              <a:ext uri="{FF2B5EF4-FFF2-40B4-BE49-F238E27FC236}">
-                <a16:creationId xmlns:a16="http://schemas.microsoft.com/office/drawing/2014/main" id="{6206EDA6-7FFB-36C5-2555-00BABBECBC3D}"/>
-              </a:ext>
-            </a:extLst>
-          </p:cNvPr>
-          <p:cNvPicPr>
-            <a:picLocks noChangeAspect="1"/>
-          </p:cNvPicPr>
-          <p:nvPr/>
-        </p:nvPicPr>
-        <p:blipFill>
-          <a:blip r:embed="rId4"/>
-          <a:stretch>
-            <a:fillRect/>
-          </a:stretch>
-        </p:blipFill>
-        <p:spPr>
-          <a:xfrm>
-            <a:off x="3268325" y="3625833"/>
-            <a:ext cx="1539373" cy="1371719"/>
-          </a:xfrm>
-          <a:prstGeom prst="rect">
-            <a:avLst/>
-          </a:prstGeom>
-        </p:spPr>
-      </p:pic>
-      <p:sp>
-        <p:nvSpPr>
-          <p:cNvPr id="15" name="Rectángulo 14">
-            <a:extLst>
-              <a:ext uri="{FF2B5EF4-FFF2-40B4-BE49-F238E27FC236}">
-                <a16:creationId xmlns:a16="http://schemas.microsoft.com/office/drawing/2014/main" id="{47E2F656-22B0-FA01-CA6B-7EA0B5F7266A}"/>
-              </a:ext>
-            </a:extLst>
-          </p:cNvPr>
-          <p:cNvSpPr/>
-          <p:nvPr/>
-        </p:nvSpPr>
-        <p:spPr>
-          <a:xfrm>
-            <a:off x="1219200" y="3288159"/>
-            <a:ext cx="1407962" cy="337674"/>
-          </a:xfrm>
-          <a:prstGeom prst="rect">
-            <a:avLst/>
-          </a:prstGeom>
-          <a:noFill/>
-          <a:ln w="28575">
-            <a:solidFill>
-              <a:srgbClr val="FFC000"/>
-            </a:solidFill>
-          </a:ln>
-        </p:spPr>
-        <p:style>
-          <a:lnRef idx="2">
-            <a:schemeClr val="accent1">
-              <a:shade val="15000"/>
-            </a:schemeClr>
-          </a:lnRef>
-          <a:fillRef idx="1">
-            <a:schemeClr val="accent1"/>
-          </a:fillRef>
-          <a:effectRef idx="0">
-            <a:schemeClr val="accent1"/>
-          </a:effectRef>
-          <a:fontRef idx="minor">
-            <a:schemeClr val="lt1"/>
-          </a:fontRef>
-        </p:style>
-        <p:txBody>
-          <a:bodyPr rtlCol="0" anchor="ctr"/>
-          <a:lstStyle/>
-          <a:p>
-            <a:pPr algn="ctr"/>
-            <a:endParaRPr lang="es-ES"/>
-          </a:p>
-        </p:txBody>
-      </p:sp>
-      <p:sp>
-        <p:nvSpPr>
-          <p:cNvPr id="16" name="Rectángulo 15">
-            <a:extLst>
-              <a:ext uri="{FF2B5EF4-FFF2-40B4-BE49-F238E27FC236}">
-                <a16:creationId xmlns:a16="http://schemas.microsoft.com/office/drawing/2014/main" id="{B651E897-3902-B271-A2CE-B41DE43E5AAB}"/>
-              </a:ext>
-            </a:extLst>
-          </p:cNvPr>
-          <p:cNvSpPr/>
-          <p:nvPr/>
-        </p:nvSpPr>
-        <p:spPr>
-          <a:xfrm>
-            <a:off x="1219200" y="2882493"/>
-            <a:ext cx="1407962" cy="337674"/>
-          </a:xfrm>
-          <a:prstGeom prst="rect">
-            <a:avLst/>
-          </a:prstGeom>
-          <a:noFill/>
-          <a:ln w="28575">
-            <a:solidFill>
-              <a:srgbClr val="FFC000"/>
-            </a:solidFill>
-          </a:ln>
-        </p:spPr>
-        <p:style>
-          <a:lnRef idx="2">
-            <a:schemeClr val="accent1">
-              <a:shade val="15000"/>
-            </a:schemeClr>
-          </a:lnRef>
-          <a:fillRef idx="1">
-            <a:schemeClr val="accent1"/>
-          </a:fillRef>
-          <a:effectRef idx="0">
-            <a:schemeClr val="accent1"/>
-          </a:effectRef>
-          <a:fontRef idx="minor">
-            <a:schemeClr val="lt1"/>
-          </a:fontRef>
-        </p:style>
-        <p:txBody>
-          <a:bodyPr rtlCol="0" anchor="ctr"/>
-          <a:lstStyle/>
-          <a:p>
-            <a:pPr algn="ctr"/>
-            <a:endParaRPr lang="es-ES"/>
-          </a:p>
-        </p:txBody>
-      </p:sp>
-      <p:cxnSp>
-        <p:nvCxnSpPr>
-          <p:cNvPr id="19" name="Conector: angular 18">
-            <a:extLst>
-              <a:ext uri="{FF2B5EF4-FFF2-40B4-BE49-F238E27FC236}">
-                <a16:creationId xmlns:a16="http://schemas.microsoft.com/office/drawing/2014/main" id="{237E8B38-8CD8-5798-E464-02E666CB0FFE}"/>
-              </a:ext>
-            </a:extLst>
-          </p:cNvPr>
-          <p:cNvCxnSpPr>
-            <a:cxnSpLocks/>
-            <a:stCxn id="16" idx="3"/>
-            <a:endCxn id="11" idx="1"/>
-          </p:cNvCxnSpPr>
-          <p:nvPr/>
-        </p:nvCxnSpPr>
-        <p:spPr>
-          <a:xfrm flipV="1">
-            <a:off x="2627162" y="2425685"/>
-            <a:ext cx="618301" cy="625645"/>
-          </a:xfrm>
-          <a:prstGeom prst="bentConnector3">
-            <a:avLst>
-              <a:gd name="adj1" fmla="val 50000"/>
-            </a:avLst>
-          </a:prstGeom>
-          <a:ln w="28575">
-            <a:solidFill>
-              <a:srgbClr val="FFC000"/>
-            </a:solidFill>
-            <a:tailEnd type="triangle"/>
-          </a:ln>
-        </p:spPr>
-        <p:style>
-          <a:lnRef idx="2">
-            <a:schemeClr val="accent1"/>
-          </a:lnRef>
-          <a:fillRef idx="0">
-            <a:schemeClr val="accent1"/>
-          </a:fillRef>
-          <a:effectRef idx="1">
-            <a:schemeClr val="accent1"/>
-          </a:effectRef>
-          <a:fontRef idx="minor">
-            <a:schemeClr val="tx1"/>
-          </a:fontRef>
-        </p:style>
-      </p:cxnSp>
-      <p:pic>
-        <p:nvPicPr>
-          <p:cNvPr id="24" name="Imagen 23">
-            <a:extLst>
-              <a:ext uri="{FF2B5EF4-FFF2-40B4-BE49-F238E27FC236}">
-                <a16:creationId xmlns:a16="http://schemas.microsoft.com/office/drawing/2014/main" id="{77438F0E-A601-2DA7-ECCE-375D2295C909}"/>
-              </a:ext>
-            </a:extLst>
-          </p:cNvPr>
-          <p:cNvPicPr>
-            <a:picLocks noChangeAspect="1"/>
-          </p:cNvPicPr>
-          <p:nvPr/>
-        </p:nvPicPr>
-        <p:blipFill>
-          <a:blip r:embed="rId5"/>
-          <a:stretch>
-            <a:fillRect/>
-          </a:stretch>
-        </p:blipFill>
-        <p:spPr>
-          <a:xfrm>
-            <a:off x="5285193" y="1467418"/>
-            <a:ext cx="6726059" cy="3490373"/>
-          </a:xfrm>
-          <a:prstGeom prst="rect">
-            <a:avLst/>
-          </a:prstGeom>
-        </p:spPr>
-      </p:pic>
-      <p:sp>
-        <p:nvSpPr>
-          <p:cNvPr id="25" name="CuadroTexto 24">
-            <a:extLst>
-              <a:ext uri="{FF2B5EF4-FFF2-40B4-BE49-F238E27FC236}">
-                <a16:creationId xmlns:a16="http://schemas.microsoft.com/office/drawing/2014/main" id="{3B6FC72E-0079-84D1-513C-BBFF988AC2EC}"/>
-              </a:ext>
-            </a:extLst>
-          </p:cNvPr>
-          <p:cNvSpPr txBox="1"/>
-          <p:nvPr/>
-        </p:nvSpPr>
-        <p:spPr>
-          <a:xfrm>
-            <a:off x="5226200" y="905000"/>
-            <a:ext cx="4741525" cy="369332"/>
-          </a:xfrm>
-          <a:prstGeom prst="rect">
-            <a:avLst/>
-          </a:prstGeom>
-          <a:noFill/>
-        </p:spPr>
-        <p:txBody>
-          <a:bodyPr wrap="square" rtlCol="0">
-            <a:spAutoFit/>
-          </a:bodyPr>
-          <a:lstStyle/>
-          <a:p>
-            <a:r>
-              <a:rPr lang="es-ES" dirty="0"/>
-              <a:t>Controlador para la conexión con la DB:</a:t>
-            </a:r>
-          </a:p>
-        </p:txBody>
-      </p:sp>
-      <p:pic>
-        <p:nvPicPr>
-          <p:cNvPr id="27" name="Imagen 26">
-            <a:extLst>
-              <a:ext uri="{FF2B5EF4-FFF2-40B4-BE49-F238E27FC236}">
-                <a16:creationId xmlns:a16="http://schemas.microsoft.com/office/drawing/2014/main" id="{C694AD95-869B-2F4D-CFB2-402E24BF41BD}"/>
-              </a:ext>
-            </a:extLst>
-          </p:cNvPr>
-          <p:cNvPicPr>
-            <a:picLocks noChangeAspect="1"/>
-          </p:cNvPicPr>
-          <p:nvPr/>
-        </p:nvPicPr>
-        <p:blipFill>
-          <a:blip r:embed="rId6"/>
-          <a:stretch>
-            <a:fillRect/>
-          </a:stretch>
-        </p:blipFill>
-        <p:spPr>
-          <a:xfrm>
-            <a:off x="7880613" y="4997552"/>
-            <a:ext cx="4130639" cy="1700852"/>
-          </a:xfrm>
-          <a:prstGeom prst="rect">
-            <a:avLst/>
-          </a:prstGeom>
-        </p:spPr>
-      </p:pic>
-      <p:sp>
-        <p:nvSpPr>
           <p:cNvPr id="28" name="Elipse 27">
             <a:extLst>
               <a:ext uri="{FF2B5EF4-FFF2-40B4-BE49-F238E27FC236}">
@@ -3921,12 +3500,47 @@
           </a:p>
         </p:txBody>
       </p:sp>
-      <p:sp>
-        <p:nvSpPr>
-          <p:cNvPr id="29" name="CuadroTexto 28">
-            <a:extLst>
-              <a:ext uri="{FF2B5EF4-FFF2-40B4-BE49-F238E27FC236}">
-                <a16:creationId xmlns:a16="http://schemas.microsoft.com/office/drawing/2014/main" id="{F2918F20-A593-29E5-EFA3-D66603260A8F}"/>
+      <p:pic>
+        <p:nvPicPr>
+          <p:cNvPr id="3" name="Imagen 2">
+            <a:extLst>
+              <a:ext uri="{FF2B5EF4-FFF2-40B4-BE49-F238E27FC236}">
+                <a16:creationId xmlns:a16="http://schemas.microsoft.com/office/drawing/2014/main" id="{B3B54B42-EB18-AFD4-1478-AEBA48983B5E}"/>
+              </a:ext>
+            </a:extLst>
+          </p:cNvPr>
+          <p:cNvPicPr>
+            <a:picLocks noChangeAspect="1"/>
+          </p:cNvPicPr>
+          <p:nvPr/>
+        </p:nvPicPr>
+        <p:blipFill>
+          <a:blip r:embed="rId2"/>
+          <a:stretch>
+            <a:fillRect/>
+          </a:stretch>
+        </p:blipFill>
+        <p:spPr>
+          <a:xfrm>
+            <a:off x="3808052" y="0"/>
+            <a:ext cx="8383948" cy="6858000"/>
+          </a:xfrm>
+          <a:prstGeom prst="rect">
+            <a:avLst/>
+          </a:prstGeom>
+          <a:ln>
+            <a:solidFill>
+              <a:srgbClr val="FFC000"/>
+            </a:solidFill>
+          </a:ln>
+        </p:spPr>
+      </p:pic>
+      <p:sp>
+        <p:nvSpPr>
+          <p:cNvPr id="4" name="CuadroTexto 3">
+            <a:extLst>
+              <a:ext uri="{FF2B5EF4-FFF2-40B4-BE49-F238E27FC236}">
+                <a16:creationId xmlns:a16="http://schemas.microsoft.com/office/drawing/2014/main" id="{69E1707E-7C12-CDDC-6121-66E39447A360}"/>
               </a:ext>
             </a:extLst>
           </p:cNvPr>
@@ -3935,18 +3549,13 @@
         </p:nvSpPr>
         <p:spPr>
           <a:xfrm>
-            <a:off x="586562" y="5264050"/>
-            <a:ext cx="7010400" cy="1200329"/>
+            <a:off x="117987" y="1167132"/>
+            <a:ext cx="3594477" cy="3139321"/>
           </a:xfrm>
           <a:prstGeom prst="rect">
             <a:avLst/>
           </a:prstGeom>
           <a:noFill/>
-          <a:ln>
-            <a:solidFill>
-              <a:schemeClr val="tx1"/>
-            </a:solidFill>
-          </a:ln>
         </p:spPr>
         <p:txBody>
           <a:bodyPr wrap="square" rtlCol="0">
@@ -3956,16 +3565,41 @@
           <a:p>
             <a:r>
               <a:rPr lang="es-ES" dirty="0"/>
-              <a:t>A partir de las necesidades del enunciado se crea la base de datos necesaria para la gestión de los datos.</a:t>
-            </a:r>
-          </a:p>
-          <a:p>
-            <a:endParaRPr lang="es-ES" dirty="0"/>
+              <a:t>Debemos copiar, desde una imagen, la página web del ejercicio.</a:t>
+            </a:r>
           </a:p>
           <a:p>
             <a:r>
               <a:rPr lang="es-ES" dirty="0"/>
-              <a:t>Establecemos la conexión a la DB con el controlador apropiado.</a:t>
+              <a:t>He añadido un menú de secciones debajo del </a:t>
+            </a:r>
+            <a:r>
+              <a:rPr lang="es-ES" dirty="0" err="1"/>
+              <a:t>header</a:t>
+            </a:r>
+            <a:r>
+              <a:rPr lang="es-ES" dirty="0"/>
+              <a:t>, el cual está centrado en la página.</a:t>
+            </a:r>
+          </a:p>
+          <a:p>
+            <a:r>
+              <a:rPr lang="es-ES" dirty="0"/>
+              <a:t>El contenido es diferente al del original, simplemente para poder mostrar cómo quedaría.</a:t>
+            </a:r>
+          </a:p>
+          <a:p>
+            <a:r>
+              <a:rPr lang="es-ES" dirty="0"/>
+              <a:t>También he incluido un </a:t>
+            </a:r>
+            <a:r>
+              <a:rPr lang="es-ES" i="1" dirty="0" err="1"/>
+              <a:t>footer</a:t>
+            </a:r>
+            <a:r>
+              <a:rPr lang="es-ES" dirty="0"/>
+              <a:t> a modo de copyright.</a:t>
             </a:r>
           </a:p>
         </p:txBody>
@@ -4002,327 +3636,19 @@
       </p:grpSpPr>
       <p:sp>
         <p:nvSpPr>
-          <p:cNvPr id="8" name="CuadroTexto 7">
-            <a:extLst>
-              <a:ext uri="{FF2B5EF4-FFF2-40B4-BE49-F238E27FC236}">
-                <a16:creationId xmlns:a16="http://schemas.microsoft.com/office/drawing/2014/main" id="{E5D817FA-5021-C44F-AF10-D416344C2287}"/>
-              </a:ext>
-            </a:extLst>
-          </p:cNvPr>
-          <p:cNvSpPr txBox="1"/>
+          <p:cNvPr id="28" name="Elipse 27">
+            <a:extLst>
+              <a:ext uri="{FF2B5EF4-FFF2-40B4-BE49-F238E27FC236}">
+                <a16:creationId xmlns:a16="http://schemas.microsoft.com/office/drawing/2014/main" id="{D31AE344-8535-55C6-0F7D-AF5BF2C0D8D7}"/>
+              </a:ext>
+            </a:extLst>
+          </p:cNvPr>
+          <p:cNvSpPr/>
           <p:nvPr/>
         </p:nvSpPr>
         <p:spPr>
           <a:xfrm>
-            <a:off x="239865" y="88140"/>
-            <a:ext cx="6632883" cy="369332"/>
-          </a:xfrm>
-          <a:prstGeom prst="rect">
-            <a:avLst/>
-          </a:prstGeom>
-          <a:noFill/>
-        </p:spPr>
-        <p:txBody>
-          <a:bodyPr wrap="square" rtlCol="0">
-            <a:spAutoFit/>
-          </a:bodyPr>
-          <a:lstStyle/>
-          <a:p>
-            <a:r>
-              <a:rPr lang="es-ES" dirty="0"/>
-              <a:t>La estructura del proyecto en Eclipse es la siguiente:</a:t>
-            </a:r>
-          </a:p>
-        </p:txBody>
-      </p:sp>
-      <p:pic>
-        <p:nvPicPr>
-          <p:cNvPr id="3" name="Imagen 2">
-            <a:extLst>
-              <a:ext uri="{FF2B5EF4-FFF2-40B4-BE49-F238E27FC236}">
-                <a16:creationId xmlns:a16="http://schemas.microsoft.com/office/drawing/2014/main" id="{A84E438A-1E0B-B474-25C1-27EA9AC90FE9}"/>
-              </a:ext>
-            </a:extLst>
-          </p:cNvPr>
-          <p:cNvPicPr>
-            <a:picLocks noChangeAspect="1"/>
-          </p:cNvPicPr>
-          <p:nvPr/>
-        </p:nvPicPr>
-        <p:blipFill>
-          <a:blip r:embed="rId2"/>
-          <a:stretch>
-            <a:fillRect/>
-          </a:stretch>
-        </p:blipFill>
-        <p:spPr>
-          <a:xfrm>
-            <a:off x="293598" y="535615"/>
-            <a:ext cx="2680660" cy="1122136"/>
-          </a:xfrm>
-          <a:prstGeom prst="rect">
-            <a:avLst/>
-          </a:prstGeom>
-        </p:spPr>
-      </p:pic>
-      <p:pic>
-        <p:nvPicPr>
-          <p:cNvPr id="6" name="Imagen 5">
-            <a:extLst>
-              <a:ext uri="{FF2B5EF4-FFF2-40B4-BE49-F238E27FC236}">
-                <a16:creationId xmlns:a16="http://schemas.microsoft.com/office/drawing/2014/main" id="{3AAD5EAF-74C1-E67C-DB0F-6973DB4B0046}"/>
-              </a:ext>
-            </a:extLst>
-          </p:cNvPr>
-          <p:cNvPicPr>
-            <a:picLocks noChangeAspect="1"/>
-          </p:cNvPicPr>
-          <p:nvPr/>
-        </p:nvPicPr>
-        <p:blipFill>
-          <a:blip r:embed="rId3"/>
-          <a:stretch>
-            <a:fillRect/>
-          </a:stretch>
-        </p:blipFill>
-        <p:spPr>
-          <a:xfrm>
-            <a:off x="239865" y="3636783"/>
-            <a:ext cx="2734393" cy="1093756"/>
-          </a:xfrm>
-          <a:prstGeom prst="rect">
-            <a:avLst/>
-          </a:prstGeom>
-        </p:spPr>
-      </p:pic>
-      <p:sp>
-        <p:nvSpPr>
-          <p:cNvPr id="7" name="CuadroTexto 6">
-            <a:extLst>
-              <a:ext uri="{FF2B5EF4-FFF2-40B4-BE49-F238E27FC236}">
-                <a16:creationId xmlns:a16="http://schemas.microsoft.com/office/drawing/2014/main" id="{3C9D5B8B-E55C-F823-6A1E-5EA8DD258F59}"/>
-              </a:ext>
-            </a:extLst>
-          </p:cNvPr>
-          <p:cNvSpPr txBox="1"/>
-          <p:nvPr/>
-        </p:nvSpPr>
-        <p:spPr>
-          <a:xfrm>
-            <a:off x="166122" y="1684865"/>
-            <a:ext cx="11858729" cy="1569660"/>
-          </a:xfrm>
-          <a:prstGeom prst="rect">
-            <a:avLst/>
-          </a:prstGeom>
-          <a:noFill/>
-        </p:spPr>
-        <p:txBody>
-          <a:bodyPr wrap="square" rtlCol="0">
-            <a:spAutoFit/>
-          </a:bodyPr>
-          <a:lstStyle/>
-          <a:p>
-            <a:pPr algn="ctr"/>
-            <a:r>
-              <a:rPr lang="es-ES" sz="2400" b="1" u="sng" dirty="0"/>
-              <a:t>CONTROLADORES</a:t>
-            </a:r>
-          </a:p>
-          <a:p>
-            <a:endParaRPr lang="es-ES" b="1" dirty="0"/>
-          </a:p>
-          <a:p>
-            <a:r>
-              <a:rPr lang="es-ES" b="1" dirty="0"/>
-              <a:t>Objetivo</a:t>
-            </a:r>
-            <a:r>
-              <a:rPr lang="es-ES" dirty="0"/>
-              <a:t>: ser el vínculo entre el código del Back-</a:t>
-            </a:r>
-            <a:r>
-              <a:rPr lang="es-ES" dirty="0" err="1"/>
-              <a:t>end</a:t>
-            </a:r>
-            <a:r>
-              <a:rPr lang="es-ES" dirty="0"/>
-              <a:t> y el Front-</a:t>
-            </a:r>
-            <a:r>
-              <a:rPr lang="es-ES" dirty="0" err="1"/>
-              <a:t>end</a:t>
-            </a:r>
-            <a:r>
-              <a:rPr lang="es-ES" dirty="0"/>
-              <a:t>.</a:t>
-            </a:r>
-          </a:p>
-          <a:p>
-            <a:r>
-              <a:rPr lang="es-ES" dirty="0"/>
-              <a:t>	Nuestro back serán los Modelos que generemos, que contendrán los métodos necesarios.</a:t>
-            </a:r>
-          </a:p>
-          <a:p>
-            <a:r>
-              <a:rPr lang="es-ES" dirty="0"/>
-              <a:t>	El </a:t>
-            </a:r>
-            <a:r>
-              <a:rPr lang="es-ES" dirty="0" err="1"/>
-              <a:t>front</a:t>
-            </a:r>
-            <a:r>
-              <a:rPr lang="es-ES" dirty="0"/>
-              <a:t> será cada una de las View que generemos.</a:t>
-            </a:r>
-          </a:p>
-        </p:txBody>
-      </p:sp>
-      <p:sp>
-        <p:nvSpPr>
-          <p:cNvPr id="9" name="CuadroTexto 8">
-            <a:extLst>
-              <a:ext uri="{FF2B5EF4-FFF2-40B4-BE49-F238E27FC236}">
-                <a16:creationId xmlns:a16="http://schemas.microsoft.com/office/drawing/2014/main" id="{86E17B59-5C1E-E79C-2A3C-471D725734A3}"/>
-              </a:ext>
-            </a:extLst>
-          </p:cNvPr>
-          <p:cNvSpPr txBox="1"/>
-          <p:nvPr/>
-        </p:nvSpPr>
-        <p:spPr>
-          <a:xfrm>
-            <a:off x="166123" y="3267451"/>
-            <a:ext cx="6632883" cy="369332"/>
-          </a:xfrm>
-          <a:prstGeom prst="rect">
-            <a:avLst/>
-          </a:prstGeom>
-          <a:noFill/>
-        </p:spPr>
-        <p:txBody>
-          <a:bodyPr wrap="square" rtlCol="0">
-            <a:spAutoFit/>
-          </a:bodyPr>
-          <a:lstStyle/>
-          <a:p>
-            <a:r>
-              <a:rPr lang="es-ES" dirty="0"/>
-              <a:t>Los controladores que hemos generado son los siguientes:</a:t>
-            </a:r>
-          </a:p>
-        </p:txBody>
-      </p:sp>
-      <p:sp>
-        <p:nvSpPr>
-          <p:cNvPr id="10" name="CuadroTexto 9">
-            <a:extLst>
-              <a:ext uri="{FF2B5EF4-FFF2-40B4-BE49-F238E27FC236}">
-                <a16:creationId xmlns:a16="http://schemas.microsoft.com/office/drawing/2014/main" id="{5980EBC5-3B7A-4DCA-FED9-32A50FF71342}"/>
-              </a:ext>
-            </a:extLst>
-          </p:cNvPr>
-          <p:cNvSpPr txBox="1"/>
-          <p:nvPr/>
-        </p:nvSpPr>
-        <p:spPr>
-          <a:xfrm>
-            <a:off x="166123" y="4915205"/>
-            <a:ext cx="9774290" cy="369332"/>
-          </a:xfrm>
-          <a:prstGeom prst="rect">
-            <a:avLst/>
-          </a:prstGeom>
-          <a:noFill/>
-        </p:spPr>
-        <p:txBody>
-          <a:bodyPr wrap="square" rtlCol="0">
-            <a:spAutoFit/>
-          </a:bodyPr>
-          <a:lstStyle/>
-          <a:p>
-            <a:r>
-              <a:rPr lang="es-ES" dirty="0"/>
-              <a:t>La función que realizan es llamar a los métodos del Modelo para poder aplicarlos. Por ejemplo:</a:t>
-            </a:r>
-          </a:p>
-        </p:txBody>
-      </p:sp>
-      <p:pic>
-        <p:nvPicPr>
-          <p:cNvPr id="13" name="Imagen 12">
-            <a:extLst>
-              <a:ext uri="{FF2B5EF4-FFF2-40B4-BE49-F238E27FC236}">
-                <a16:creationId xmlns:a16="http://schemas.microsoft.com/office/drawing/2014/main" id="{89CA87AA-3BC5-B7DB-00FA-CEB62FC1E9FF}"/>
-              </a:ext>
-            </a:extLst>
-          </p:cNvPr>
-          <p:cNvPicPr>
-            <a:picLocks noChangeAspect="1"/>
-          </p:cNvPicPr>
-          <p:nvPr/>
-        </p:nvPicPr>
-        <p:blipFill rotWithShape="1">
-          <a:blip r:embed="rId4"/>
-          <a:srcRect b="69267"/>
-          <a:stretch/>
-        </p:blipFill>
-        <p:spPr>
-          <a:xfrm>
-            <a:off x="219597" y="5364948"/>
-            <a:ext cx="4833671" cy="1288026"/>
-          </a:xfrm>
-          <a:prstGeom prst="rect">
-            <a:avLst/>
-          </a:prstGeom>
-        </p:spPr>
-      </p:pic>
-      <p:pic>
-        <p:nvPicPr>
-          <p:cNvPr id="15" name="Imagen 14">
-            <a:extLst>
-              <a:ext uri="{FF2B5EF4-FFF2-40B4-BE49-F238E27FC236}">
-                <a16:creationId xmlns:a16="http://schemas.microsoft.com/office/drawing/2014/main" id="{9B152F3F-B43F-BC62-6C9C-A4644CC8B44E}"/>
-              </a:ext>
-            </a:extLst>
-          </p:cNvPr>
-          <p:cNvPicPr>
-            <a:picLocks noChangeAspect="1"/>
-          </p:cNvPicPr>
-          <p:nvPr/>
-        </p:nvPicPr>
-        <p:blipFill rotWithShape="1">
-          <a:blip r:embed="rId4"/>
-          <a:srcRect t="34633" b="34633"/>
-          <a:stretch/>
-        </p:blipFill>
-        <p:spPr>
-          <a:xfrm>
-            <a:off x="5284326" y="5364948"/>
-            <a:ext cx="4833671" cy="1288026"/>
-          </a:xfrm>
-          <a:prstGeom prst="rect">
-            <a:avLst/>
-          </a:prstGeom>
-        </p:spPr>
-      </p:pic>
-      <p:sp>
-        <p:nvSpPr>
-          <p:cNvPr id="17" name="Elipse 16">
-            <a:extLst>
-              <a:ext uri="{FF2B5EF4-FFF2-40B4-BE49-F238E27FC236}">
-                <a16:creationId xmlns:a16="http://schemas.microsoft.com/office/drawing/2014/main" id="{182C2BF6-42DF-FB4A-2462-22BB57C69C4D}"/>
-              </a:ext>
-            </a:extLst>
-          </p:cNvPr>
-          <p:cNvSpPr/>
-          <p:nvPr/>
-        </p:nvSpPr>
-        <p:spPr>
-          <a:xfrm>
-            <a:off x="11322870" y="142839"/>
+            <a:off x="117987" y="127819"/>
             <a:ext cx="629265" cy="629265"/>
           </a:xfrm>
           <a:prstGeom prst="ellipse">
@@ -4352,15 +3678,134 @@
             <a:pPr algn="ctr"/>
             <a:r>
               <a:rPr lang="es-ES" sz="3200" b="1" dirty="0"/>
-              <a:t>1</a:t>
-            </a:r>
-          </a:p>
-        </p:txBody>
-      </p:sp>
+              <a:t>2</a:t>
+            </a:r>
+          </a:p>
+        </p:txBody>
+      </p:sp>
+      <p:sp>
+        <p:nvSpPr>
+          <p:cNvPr id="4" name="CuadroTexto 3">
+            <a:extLst>
+              <a:ext uri="{FF2B5EF4-FFF2-40B4-BE49-F238E27FC236}">
+                <a16:creationId xmlns:a16="http://schemas.microsoft.com/office/drawing/2014/main" id="{69E1707E-7C12-CDDC-6121-66E39447A360}"/>
+              </a:ext>
+            </a:extLst>
+          </p:cNvPr>
+          <p:cNvSpPr txBox="1"/>
+          <p:nvPr/>
+        </p:nvSpPr>
+        <p:spPr>
+          <a:xfrm>
+            <a:off x="218571" y="938532"/>
+            <a:ext cx="4399149" cy="5078313"/>
+          </a:xfrm>
+          <a:prstGeom prst="rect">
+            <a:avLst/>
+          </a:prstGeom>
+          <a:noFill/>
+        </p:spPr>
+        <p:txBody>
+          <a:bodyPr wrap="square" rtlCol="0">
+            <a:spAutoFit/>
+          </a:bodyPr>
+          <a:lstStyle/>
+          <a:p>
+            <a:r>
+              <a:rPr lang="es-ES" dirty="0"/>
+              <a:t>Este ejercicio se basaba en cambiar absolutamente todo, desde contenido hasta formato de la web, por lo que mantuve la idea de presentar algo con un título, una breve descripción y una imagen.</a:t>
+            </a:r>
+          </a:p>
+          <a:p>
+            <a:endParaRPr lang="es-ES" dirty="0"/>
+          </a:p>
+          <a:p>
+            <a:r>
+              <a:rPr lang="es-ES" dirty="0"/>
+              <a:t>El fondo del encabezado es diferente al del </a:t>
+            </a:r>
+            <a:r>
+              <a:rPr lang="es-ES" dirty="0" err="1"/>
+              <a:t>body</a:t>
+            </a:r>
+            <a:r>
+              <a:rPr lang="es-ES" dirty="0"/>
+              <a:t> y la imagen insertada contiene un link con un Link.</a:t>
+            </a:r>
+          </a:p>
+          <a:p>
+            <a:endParaRPr lang="es-ES" dirty="0"/>
+          </a:p>
+          <a:p>
+            <a:r>
+              <a:rPr lang="es-ES" dirty="0"/>
+              <a:t>Si, la imagen es de Link, un personaje, pero también puedes clicarle y te </a:t>
+            </a:r>
+            <a:r>
+              <a:rPr lang="es-ES" dirty="0" err="1"/>
+              <a:t>redirije</a:t>
+            </a:r>
+            <a:r>
+              <a:rPr lang="es-ES" dirty="0"/>
+              <a:t> al link de la imagen, que es el Link de la imagen.</a:t>
+            </a:r>
+          </a:p>
+          <a:p>
+            <a:endParaRPr lang="es-ES" dirty="0"/>
+          </a:p>
+          <a:p>
+            <a:r>
+              <a:rPr lang="es-ES" dirty="0"/>
+              <a:t>Perdón por la broma, ya me marcho a hacer el 3…</a:t>
+            </a:r>
+          </a:p>
+          <a:p>
+            <a:r>
+              <a:rPr lang="es-ES" dirty="0"/>
+              <a:t> </a:t>
+            </a:r>
+          </a:p>
+        </p:txBody>
+      </p:sp>
+      <p:pic>
+        <p:nvPicPr>
+          <p:cNvPr id="5" name="Imagen 4">
+            <a:extLst>
+              <a:ext uri="{FF2B5EF4-FFF2-40B4-BE49-F238E27FC236}">
+                <a16:creationId xmlns:a16="http://schemas.microsoft.com/office/drawing/2014/main" id="{BF989841-CFC7-6B6B-94D0-75072A3A1B9F}"/>
+              </a:ext>
+            </a:extLst>
+          </p:cNvPr>
+          <p:cNvPicPr>
+            <a:picLocks noChangeAspect="1"/>
+          </p:cNvPicPr>
+          <p:nvPr/>
+        </p:nvPicPr>
+        <p:blipFill>
+          <a:blip r:embed="rId2"/>
+          <a:stretch>
+            <a:fillRect/>
+          </a:stretch>
+        </p:blipFill>
+        <p:spPr>
+          <a:xfrm>
+            <a:off x="5025690" y="0"/>
+            <a:ext cx="7166310" cy="6858000"/>
+          </a:xfrm>
+          <a:prstGeom prst="rect">
+            <a:avLst/>
+          </a:prstGeom>
+          <a:ln>
+            <a:solidFill>
+              <a:srgbClr val="002060"/>
+            </a:solidFill>
+          </a:ln>
+        </p:spPr>
+      </p:pic>
     </p:spTree>
     <p:extLst>
       <p:ext uri="{BB962C8B-B14F-4D97-AF65-F5344CB8AC3E}">
-        <p14:creationId xmlns:p14="http://schemas.microsoft.com/office/powerpoint/2010/main" val="1438876603"/>
+        <p14:creationId xmlns:p14="http://schemas.microsoft.com/office/powerpoint/2010/main" val="1139014661"/>
       </p:ext>
     </p:extLst>
   </p:cSld>
@@ -4389,2166 +3834,6 @@
       </p:grpSpPr>
       <p:sp>
         <p:nvSpPr>
-          <p:cNvPr id="7" name="CuadroTexto 6">
-            <a:extLst>
-              <a:ext uri="{FF2B5EF4-FFF2-40B4-BE49-F238E27FC236}">
-                <a16:creationId xmlns:a16="http://schemas.microsoft.com/office/drawing/2014/main" id="{3C9D5B8B-E55C-F823-6A1E-5EA8DD258F59}"/>
-              </a:ext>
-            </a:extLst>
-          </p:cNvPr>
-          <p:cNvSpPr txBox="1"/>
-          <p:nvPr/>
-        </p:nvSpPr>
-        <p:spPr>
-          <a:xfrm>
-            <a:off x="166636" y="229691"/>
-            <a:ext cx="5929364" cy="2400657"/>
-          </a:xfrm>
-          <a:prstGeom prst="rect">
-            <a:avLst/>
-          </a:prstGeom>
-          <a:noFill/>
-        </p:spPr>
-        <p:txBody>
-          <a:bodyPr wrap="square" rtlCol="0">
-            <a:spAutoFit/>
-          </a:bodyPr>
-          <a:lstStyle/>
-          <a:p>
-            <a:pPr algn="ctr"/>
-            <a:r>
-              <a:rPr lang="es-ES" sz="2400" b="1" u="sng" dirty="0"/>
-              <a:t>MAIN-APP</a:t>
-            </a:r>
-          </a:p>
-          <a:p>
-            <a:endParaRPr lang="es-ES" b="1" dirty="0"/>
-          </a:p>
-          <a:p>
-            <a:pPr algn="just"/>
-            <a:r>
-              <a:rPr lang="es-ES" b="1" dirty="0"/>
-              <a:t>Objetivo</a:t>
-            </a:r>
-            <a:r>
-              <a:rPr lang="es-ES" dirty="0"/>
-              <a:t>: generar la View inicial del programa. Su función es permitir la interacción con el usuario para que se pueda acceder a cada una de las View que se han creado.</a:t>
-            </a:r>
-          </a:p>
-          <a:p>
-            <a:pPr algn="just"/>
-            <a:r>
-              <a:rPr lang="es-ES" dirty="0"/>
-              <a:t>En nuestro caso, el acceso se da mediante </a:t>
-            </a:r>
-            <a:r>
-              <a:rPr lang="es-ES" dirty="0" err="1"/>
-              <a:t>Jbutton</a:t>
-            </a:r>
-            <a:r>
-              <a:rPr lang="es-ES" dirty="0"/>
-              <a:t>, cuyos eventos generan las View indicadas acorde al texto mostrado en el propio botón.</a:t>
-            </a:r>
-          </a:p>
-        </p:txBody>
-      </p:sp>
-      <p:sp>
-        <p:nvSpPr>
-          <p:cNvPr id="9" name="CuadroTexto 8">
-            <a:extLst>
-              <a:ext uri="{FF2B5EF4-FFF2-40B4-BE49-F238E27FC236}">
-                <a16:creationId xmlns:a16="http://schemas.microsoft.com/office/drawing/2014/main" id="{86E17B59-5C1E-E79C-2A3C-471D725734A3}"/>
-              </a:ext>
-            </a:extLst>
-          </p:cNvPr>
-          <p:cNvSpPr txBox="1"/>
-          <p:nvPr/>
-        </p:nvSpPr>
-        <p:spPr>
-          <a:xfrm>
-            <a:off x="198334" y="2630348"/>
-            <a:ext cx="6632883" cy="369332"/>
-          </a:xfrm>
-          <a:prstGeom prst="rect">
-            <a:avLst/>
-          </a:prstGeom>
-          <a:noFill/>
-        </p:spPr>
-        <p:txBody>
-          <a:bodyPr wrap="square" rtlCol="0">
-            <a:spAutoFit/>
-          </a:bodyPr>
-          <a:lstStyle/>
-          <a:p>
-            <a:r>
-              <a:rPr lang="es-ES" dirty="0"/>
-              <a:t>El </a:t>
-            </a:r>
-            <a:r>
-              <a:rPr lang="es-ES" dirty="0" err="1"/>
-              <a:t>MainFrame</a:t>
-            </a:r>
-            <a:r>
-              <a:rPr lang="es-ES" dirty="0"/>
-              <a:t> generado ha sido el siguiente:</a:t>
-            </a:r>
-          </a:p>
-        </p:txBody>
-      </p:sp>
-      <p:pic>
-        <p:nvPicPr>
-          <p:cNvPr id="4" name="Imagen 3">
-            <a:extLst>
-              <a:ext uri="{FF2B5EF4-FFF2-40B4-BE49-F238E27FC236}">
-                <a16:creationId xmlns:a16="http://schemas.microsoft.com/office/drawing/2014/main" id="{2CE3BEF0-32EC-2922-BFE1-5F1E77EE95FE}"/>
-              </a:ext>
-            </a:extLst>
-          </p:cNvPr>
-          <p:cNvPicPr>
-            <a:picLocks noChangeAspect="1"/>
-          </p:cNvPicPr>
-          <p:nvPr/>
-        </p:nvPicPr>
-        <p:blipFill>
-          <a:blip r:embed="rId2"/>
-          <a:stretch>
-            <a:fillRect/>
-          </a:stretch>
-        </p:blipFill>
-        <p:spPr>
-          <a:xfrm>
-            <a:off x="251808" y="2999680"/>
-            <a:ext cx="2472491" cy="592486"/>
-          </a:xfrm>
-          <a:prstGeom prst="rect">
-            <a:avLst/>
-          </a:prstGeom>
-        </p:spPr>
-      </p:pic>
-      <p:pic>
-        <p:nvPicPr>
-          <p:cNvPr id="11" name="Imagen 10">
-            <a:extLst>
-              <a:ext uri="{FF2B5EF4-FFF2-40B4-BE49-F238E27FC236}">
-                <a16:creationId xmlns:a16="http://schemas.microsoft.com/office/drawing/2014/main" id="{C75C2A7F-8FB8-E095-1A2D-45D21478A7FF}"/>
-              </a:ext>
-            </a:extLst>
-          </p:cNvPr>
-          <p:cNvPicPr>
-            <a:picLocks noChangeAspect="1"/>
-          </p:cNvPicPr>
-          <p:nvPr/>
-        </p:nvPicPr>
-        <p:blipFill>
-          <a:blip r:embed="rId3"/>
-          <a:stretch>
-            <a:fillRect/>
-          </a:stretch>
-        </p:blipFill>
-        <p:spPr>
-          <a:xfrm>
-            <a:off x="251808" y="3739669"/>
-            <a:ext cx="5236794" cy="2995100"/>
-          </a:xfrm>
-          <a:prstGeom prst="rect">
-            <a:avLst/>
-          </a:prstGeom>
-        </p:spPr>
-      </p:pic>
-      <p:sp>
-        <p:nvSpPr>
-          <p:cNvPr id="12" name="CuadroTexto 11">
-            <a:extLst>
-              <a:ext uri="{FF2B5EF4-FFF2-40B4-BE49-F238E27FC236}">
-                <a16:creationId xmlns:a16="http://schemas.microsoft.com/office/drawing/2014/main" id="{BF8DC8C6-9967-C5D0-DEF6-0EFA26F8DFA2}"/>
-              </a:ext>
-            </a:extLst>
-          </p:cNvPr>
-          <p:cNvSpPr txBox="1"/>
-          <p:nvPr/>
-        </p:nvSpPr>
-        <p:spPr>
-          <a:xfrm>
-            <a:off x="6447673" y="866696"/>
-            <a:ext cx="5418088" cy="1477328"/>
-          </a:xfrm>
-          <a:prstGeom prst="rect">
-            <a:avLst/>
-          </a:prstGeom>
-          <a:noFill/>
-        </p:spPr>
-        <p:txBody>
-          <a:bodyPr wrap="square" rtlCol="0">
-            <a:spAutoFit/>
-          </a:bodyPr>
-          <a:lstStyle/>
-          <a:p>
-            <a:r>
-              <a:rPr lang="es-ES" dirty="0"/>
-              <a:t>Como podemos ver, en el </a:t>
-            </a:r>
-            <a:r>
-              <a:rPr lang="es-ES" dirty="0" err="1"/>
-              <a:t>MainFrame</a:t>
-            </a:r>
-            <a:r>
-              <a:rPr lang="es-ES" dirty="0"/>
-              <a:t> se genera la ventana donde colocaremos todos los </a:t>
-            </a:r>
-            <a:r>
-              <a:rPr lang="es-ES" dirty="0" err="1"/>
-              <a:t>Jbutton</a:t>
-            </a:r>
-            <a:r>
-              <a:rPr lang="es-ES" dirty="0"/>
-              <a:t> necesarios para acceder a todas las View generadas.</a:t>
-            </a:r>
-          </a:p>
-          <a:p>
-            <a:r>
-              <a:rPr lang="es-ES" dirty="0"/>
-              <a:t>Cada botón está identificado acorde a la View que genera. La vista global sería:</a:t>
-            </a:r>
-          </a:p>
-        </p:txBody>
-      </p:sp>
-      <p:pic>
-        <p:nvPicPr>
-          <p:cNvPr id="16" name="Imagen 15">
-            <a:extLst>
-              <a:ext uri="{FF2B5EF4-FFF2-40B4-BE49-F238E27FC236}">
-                <a16:creationId xmlns:a16="http://schemas.microsoft.com/office/drawing/2014/main" id="{A67CC89B-A1DA-7CA4-C568-DE4F7D9FF984}"/>
-              </a:ext>
-            </a:extLst>
-          </p:cNvPr>
-          <p:cNvPicPr>
-            <a:picLocks noChangeAspect="1"/>
-          </p:cNvPicPr>
-          <p:nvPr/>
-        </p:nvPicPr>
-        <p:blipFill>
-          <a:blip r:embed="rId4"/>
-          <a:stretch>
-            <a:fillRect/>
-          </a:stretch>
-        </p:blipFill>
-        <p:spPr>
-          <a:xfrm>
-            <a:off x="6447673" y="2527843"/>
-            <a:ext cx="5571319" cy="3204363"/>
-          </a:xfrm>
-          <a:prstGeom prst="rect">
-            <a:avLst/>
-          </a:prstGeom>
-        </p:spPr>
-      </p:pic>
-      <p:sp>
-        <p:nvSpPr>
-          <p:cNvPr id="17" name="Elipse 16">
-            <a:extLst>
-              <a:ext uri="{FF2B5EF4-FFF2-40B4-BE49-F238E27FC236}">
-                <a16:creationId xmlns:a16="http://schemas.microsoft.com/office/drawing/2014/main" id="{6F281F61-FD00-5B0D-2659-55F0155B0C1D}"/>
-              </a:ext>
-            </a:extLst>
-          </p:cNvPr>
-          <p:cNvSpPr/>
-          <p:nvPr/>
-        </p:nvSpPr>
-        <p:spPr>
-          <a:xfrm>
-            <a:off x="11322870" y="142839"/>
-            <a:ext cx="629265" cy="629265"/>
-          </a:xfrm>
-          <a:prstGeom prst="ellipse">
-            <a:avLst/>
-          </a:prstGeom>
-        </p:spPr>
-        <p:style>
-          <a:lnRef idx="2">
-            <a:schemeClr val="accent1">
-              <a:shade val="15000"/>
-            </a:schemeClr>
-          </a:lnRef>
-          <a:fillRef idx="1">
-            <a:schemeClr val="accent1"/>
-          </a:fillRef>
-          <a:effectRef idx="0">
-            <a:schemeClr val="accent1"/>
-          </a:effectRef>
-          <a:fontRef idx="minor">
-            <a:schemeClr val="lt1"/>
-          </a:fontRef>
-        </p:style>
-        <p:txBody>
-          <a:bodyPr rtlCol="0" anchor="ctr"/>
-          <a:lstStyle/>
-          <a:p>
-            <a:pPr algn="ctr"/>
-            <a:r>
-              <a:rPr lang="es-ES" sz="3200" b="1" dirty="0"/>
-              <a:t>1</a:t>
-            </a:r>
-          </a:p>
-        </p:txBody>
-      </p:sp>
-    </p:spTree>
-    <p:extLst>
-      <p:ext uri="{BB962C8B-B14F-4D97-AF65-F5344CB8AC3E}">
-        <p14:creationId xmlns:p14="http://schemas.microsoft.com/office/powerpoint/2010/main" val="1446228651"/>
-      </p:ext>
-    </p:extLst>
-  </p:cSld>
-  <p:clrMapOvr>
-    <a:masterClrMapping/>
-  </p:clrMapOvr>
-</p:sld>
-</file>
-
-<file path=ppt/slides/slide5.xml><?xml version="1.0" encoding="utf-8"?>
-<p:sld xmlns:a="http://schemas.openxmlformats.org/drawingml/2006/main" xmlns:r="http://schemas.openxmlformats.org/officeDocument/2006/relationships" xmlns:p="http://schemas.openxmlformats.org/presentationml/2006/main">
-  <p:cSld>
-    <p:spTree>
-      <p:nvGrpSpPr>
-        <p:cNvPr id="1" name=""/>
-        <p:cNvGrpSpPr/>
-        <p:nvPr/>
-      </p:nvGrpSpPr>
-      <p:grpSpPr>
-        <a:xfrm>
-          <a:off x="0" y="0"/>
-          <a:ext cx="0" cy="0"/>
-          <a:chOff x="0" y="0"/>
-          <a:chExt cx="0" cy="0"/>
-        </a:xfrm>
-      </p:grpSpPr>
-      <p:sp>
-        <p:nvSpPr>
-          <p:cNvPr id="7" name="CuadroTexto 6">
-            <a:extLst>
-              <a:ext uri="{FF2B5EF4-FFF2-40B4-BE49-F238E27FC236}">
-                <a16:creationId xmlns:a16="http://schemas.microsoft.com/office/drawing/2014/main" id="{3C9D5B8B-E55C-F823-6A1E-5EA8DD258F59}"/>
-              </a:ext>
-            </a:extLst>
-          </p:cNvPr>
-          <p:cNvSpPr txBox="1"/>
-          <p:nvPr/>
-        </p:nvSpPr>
-        <p:spPr>
-          <a:xfrm>
-            <a:off x="166636" y="229691"/>
-            <a:ext cx="5929364" cy="1846659"/>
-          </a:xfrm>
-          <a:prstGeom prst="rect">
-            <a:avLst/>
-          </a:prstGeom>
-          <a:noFill/>
-        </p:spPr>
-        <p:txBody>
-          <a:bodyPr wrap="square" rtlCol="0">
-            <a:spAutoFit/>
-          </a:bodyPr>
-          <a:lstStyle/>
-          <a:p>
-            <a:pPr algn="ctr"/>
-            <a:r>
-              <a:rPr lang="es-ES" sz="2400" b="1" u="sng" dirty="0"/>
-              <a:t>MODELS</a:t>
-            </a:r>
-          </a:p>
-          <a:p>
-            <a:endParaRPr lang="es-ES" b="1" dirty="0"/>
-          </a:p>
-          <a:p>
-            <a:pPr algn="just"/>
-            <a:r>
-              <a:rPr lang="es-ES" b="1" dirty="0"/>
-              <a:t>Objetivo</a:t>
-            </a:r>
-            <a:r>
-              <a:rPr lang="es-ES" dirty="0"/>
-              <a:t>: contener el código necesario para que, cuando el controlador lo aplique, se pueda generar el Objeto deseado y manipular esa información con los métodos relacionados del mismo.</a:t>
-            </a:r>
-          </a:p>
-        </p:txBody>
-      </p:sp>
-      <p:sp>
-        <p:nvSpPr>
-          <p:cNvPr id="9" name="CuadroTexto 8">
-            <a:extLst>
-              <a:ext uri="{FF2B5EF4-FFF2-40B4-BE49-F238E27FC236}">
-                <a16:creationId xmlns:a16="http://schemas.microsoft.com/office/drawing/2014/main" id="{86E17B59-5C1E-E79C-2A3C-471D725734A3}"/>
-              </a:ext>
-            </a:extLst>
-          </p:cNvPr>
-          <p:cNvSpPr txBox="1"/>
-          <p:nvPr/>
-        </p:nvSpPr>
-        <p:spPr>
-          <a:xfrm>
-            <a:off x="173009" y="2168683"/>
-            <a:ext cx="5922992" cy="369332"/>
-          </a:xfrm>
-          <a:prstGeom prst="rect">
-            <a:avLst/>
-          </a:prstGeom>
-          <a:noFill/>
-        </p:spPr>
-        <p:txBody>
-          <a:bodyPr wrap="square" rtlCol="0">
-            <a:spAutoFit/>
-          </a:bodyPr>
-          <a:lstStyle/>
-          <a:p>
-            <a:r>
-              <a:rPr lang="es-ES" dirty="0"/>
-              <a:t>Los modelos que hemos generado han sido:</a:t>
-            </a:r>
-          </a:p>
-        </p:txBody>
-      </p:sp>
-      <p:sp>
-        <p:nvSpPr>
-          <p:cNvPr id="12" name="CuadroTexto 11">
-            <a:extLst>
-              <a:ext uri="{FF2B5EF4-FFF2-40B4-BE49-F238E27FC236}">
-                <a16:creationId xmlns:a16="http://schemas.microsoft.com/office/drawing/2014/main" id="{BF8DC8C6-9967-C5D0-DEF6-0EFA26F8DFA2}"/>
-              </a:ext>
-            </a:extLst>
-          </p:cNvPr>
-          <p:cNvSpPr txBox="1"/>
-          <p:nvPr/>
-        </p:nvSpPr>
-        <p:spPr>
-          <a:xfrm>
-            <a:off x="6447673" y="866696"/>
-            <a:ext cx="5418088" cy="4247317"/>
-          </a:xfrm>
-          <a:prstGeom prst="rect">
-            <a:avLst/>
-          </a:prstGeom>
-          <a:noFill/>
-        </p:spPr>
-        <p:txBody>
-          <a:bodyPr wrap="square" rtlCol="0">
-            <a:spAutoFit/>
-          </a:bodyPr>
-          <a:lstStyle/>
-          <a:p>
-            <a:r>
-              <a:rPr lang="es-ES" dirty="0"/>
-              <a:t>Los modelos contienen:</a:t>
-            </a:r>
-          </a:p>
-          <a:p>
-            <a:pPr marL="742950" lvl="1" indent="-285750">
-              <a:buFont typeface="Arial" panose="020B0604020202020204" pitchFamily="34" charset="0"/>
-              <a:buChar char="•"/>
-            </a:pPr>
-            <a:r>
-              <a:rPr lang="es-ES" dirty="0"/>
-              <a:t>Constructores </a:t>
-            </a:r>
-          </a:p>
-          <a:p>
-            <a:pPr lvl="1"/>
-            <a:endParaRPr lang="es-ES" dirty="0"/>
-          </a:p>
-          <a:p>
-            <a:pPr lvl="1"/>
-            <a:endParaRPr lang="es-ES" dirty="0"/>
-          </a:p>
-          <a:p>
-            <a:pPr lvl="1"/>
-            <a:endParaRPr lang="es-ES" dirty="0"/>
-          </a:p>
-          <a:p>
-            <a:pPr lvl="1"/>
-            <a:endParaRPr lang="es-ES" dirty="0"/>
-          </a:p>
-          <a:p>
-            <a:pPr lvl="1"/>
-            <a:endParaRPr lang="es-ES" dirty="0"/>
-          </a:p>
-          <a:p>
-            <a:pPr lvl="1"/>
-            <a:endParaRPr lang="es-ES" dirty="0"/>
-          </a:p>
-          <a:p>
-            <a:pPr lvl="1"/>
-            <a:endParaRPr lang="es-ES" dirty="0"/>
-          </a:p>
-          <a:p>
-            <a:pPr marL="742950" lvl="1" indent="-285750">
-              <a:buFont typeface="Arial" panose="020B0604020202020204" pitchFamily="34" charset="0"/>
-              <a:buChar char="•"/>
-            </a:pPr>
-            <a:r>
-              <a:rPr lang="es-ES" dirty="0" err="1"/>
-              <a:t>Getters</a:t>
-            </a:r>
-            <a:r>
-              <a:rPr lang="es-ES" dirty="0"/>
-              <a:t> y </a:t>
-            </a:r>
-            <a:r>
-              <a:rPr lang="es-ES" dirty="0" err="1"/>
-              <a:t>setters</a:t>
-            </a:r>
-            <a:endParaRPr lang="es-ES" dirty="0"/>
-          </a:p>
-          <a:p>
-            <a:pPr lvl="1"/>
-            <a:endParaRPr lang="es-ES" dirty="0"/>
-          </a:p>
-          <a:p>
-            <a:pPr lvl="1"/>
-            <a:endParaRPr lang="es-ES" dirty="0"/>
-          </a:p>
-          <a:p>
-            <a:pPr lvl="1"/>
-            <a:endParaRPr lang="es-ES" dirty="0"/>
-          </a:p>
-          <a:p>
-            <a:pPr lvl="1"/>
-            <a:endParaRPr lang="es-ES" dirty="0"/>
-          </a:p>
-          <a:p>
-            <a:pPr marL="742950" lvl="1" indent="-285750">
-              <a:buFont typeface="Arial" panose="020B0604020202020204" pitchFamily="34" charset="0"/>
-              <a:buChar char="•"/>
-            </a:pPr>
-            <a:r>
-              <a:rPr lang="es-ES" dirty="0"/>
-              <a:t>Métodos de acceso a datos</a:t>
-            </a:r>
-          </a:p>
-        </p:txBody>
-      </p:sp>
-      <p:pic>
-        <p:nvPicPr>
-          <p:cNvPr id="3" name="Imagen 2">
-            <a:extLst>
-              <a:ext uri="{FF2B5EF4-FFF2-40B4-BE49-F238E27FC236}">
-                <a16:creationId xmlns:a16="http://schemas.microsoft.com/office/drawing/2014/main" id="{E5018FBD-4DE3-EF3B-642F-A18C7DF65C62}"/>
-              </a:ext>
-            </a:extLst>
-          </p:cNvPr>
-          <p:cNvPicPr>
-            <a:picLocks noChangeAspect="1"/>
-          </p:cNvPicPr>
-          <p:nvPr/>
-        </p:nvPicPr>
-        <p:blipFill>
-          <a:blip r:embed="rId2"/>
-          <a:stretch>
-            <a:fillRect/>
-          </a:stretch>
-        </p:blipFill>
-        <p:spPr>
-          <a:xfrm>
-            <a:off x="251808" y="2596667"/>
-            <a:ext cx="2626592" cy="801110"/>
-          </a:xfrm>
-          <a:prstGeom prst="rect">
-            <a:avLst/>
-          </a:prstGeom>
-        </p:spPr>
-      </p:pic>
-      <p:pic>
-        <p:nvPicPr>
-          <p:cNvPr id="6" name="Imagen 5">
-            <a:extLst>
-              <a:ext uri="{FF2B5EF4-FFF2-40B4-BE49-F238E27FC236}">
-                <a16:creationId xmlns:a16="http://schemas.microsoft.com/office/drawing/2014/main" id="{ED145A25-F559-926A-2F93-0EBF16706D7B}"/>
-              </a:ext>
-            </a:extLst>
-          </p:cNvPr>
-          <p:cNvPicPr>
-            <a:picLocks noChangeAspect="1"/>
-          </p:cNvPicPr>
-          <p:nvPr/>
-        </p:nvPicPr>
-        <p:blipFill>
-          <a:blip r:embed="rId3"/>
-          <a:stretch>
-            <a:fillRect/>
-          </a:stretch>
-        </p:blipFill>
-        <p:spPr>
-          <a:xfrm>
-            <a:off x="251808" y="3679497"/>
-            <a:ext cx="2796782" cy="2370025"/>
-          </a:xfrm>
-          <a:prstGeom prst="rect">
-            <a:avLst/>
-          </a:prstGeom>
-        </p:spPr>
-      </p:pic>
-      <p:pic>
-        <p:nvPicPr>
-          <p:cNvPr id="10" name="Imagen 9">
-            <a:extLst>
-              <a:ext uri="{FF2B5EF4-FFF2-40B4-BE49-F238E27FC236}">
-                <a16:creationId xmlns:a16="http://schemas.microsoft.com/office/drawing/2014/main" id="{E977F03C-43D1-8A0A-C49F-343F62F9CF1C}"/>
-              </a:ext>
-            </a:extLst>
-          </p:cNvPr>
-          <p:cNvPicPr>
-            <a:picLocks noChangeAspect="1"/>
-          </p:cNvPicPr>
-          <p:nvPr/>
-        </p:nvPicPr>
-        <p:blipFill>
-          <a:blip r:embed="rId4"/>
-          <a:stretch>
-            <a:fillRect/>
-          </a:stretch>
-        </p:blipFill>
-        <p:spPr>
-          <a:xfrm>
-            <a:off x="3131318" y="3679497"/>
-            <a:ext cx="2804403" cy="1844200"/>
-          </a:xfrm>
-          <a:prstGeom prst="rect">
-            <a:avLst/>
-          </a:prstGeom>
-        </p:spPr>
-      </p:pic>
-      <p:pic>
-        <p:nvPicPr>
-          <p:cNvPr id="14" name="Imagen 13">
-            <a:extLst>
-              <a:ext uri="{FF2B5EF4-FFF2-40B4-BE49-F238E27FC236}">
-                <a16:creationId xmlns:a16="http://schemas.microsoft.com/office/drawing/2014/main" id="{472DE90B-048B-F0DD-FC53-CB2F76FEB706}"/>
-              </a:ext>
-            </a:extLst>
-          </p:cNvPr>
-          <p:cNvPicPr>
-            <a:picLocks noChangeAspect="1"/>
-          </p:cNvPicPr>
-          <p:nvPr/>
-        </p:nvPicPr>
-        <p:blipFill>
-          <a:blip r:embed="rId5"/>
-          <a:stretch>
-            <a:fillRect/>
-          </a:stretch>
-        </p:blipFill>
-        <p:spPr>
-          <a:xfrm>
-            <a:off x="6964933" y="1519728"/>
-            <a:ext cx="4975259" cy="1667241"/>
-          </a:xfrm>
-          <a:prstGeom prst="rect">
-            <a:avLst/>
-          </a:prstGeom>
-        </p:spPr>
-      </p:pic>
-      <p:pic>
-        <p:nvPicPr>
-          <p:cNvPr id="17" name="Imagen 16">
-            <a:extLst>
-              <a:ext uri="{FF2B5EF4-FFF2-40B4-BE49-F238E27FC236}">
-                <a16:creationId xmlns:a16="http://schemas.microsoft.com/office/drawing/2014/main" id="{DB0EE8DC-745D-B8E5-E1B1-3D2FFEA65ABC}"/>
-              </a:ext>
-            </a:extLst>
-          </p:cNvPr>
-          <p:cNvPicPr>
-            <a:picLocks noChangeAspect="1"/>
-          </p:cNvPicPr>
-          <p:nvPr/>
-        </p:nvPicPr>
-        <p:blipFill rotWithShape="1">
-          <a:blip r:embed="rId6"/>
-          <a:srcRect b="45895"/>
-          <a:stretch/>
-        </p:blipFill>
-        <p:spPr>
-          <a:xfrm>
-            <a:off x="7297276" y="3679497"/>
-            <a:ext cx="3718882" cy="804013"/>
-          </a:xfrm>
-          <a:prstGeom prst="rect">
-            <a:avLst/>
-          </a:prstGeom>
-        </p:spPr>
-      </p:pic>
-      <p:pic>
-        <p:nvPicPr>
-          <p:cNvPr id="19" name="Imagen 18">
-            <a:extLst>
-              <a:ext uri="{FF2B5EF4-FFF2-40B4-BE49-F238E27FC236}">
-                <a16:creationId xmlns:a16="http://schemas.microsoft.com/office/drawing/2014/main" id="{41B1F37D-A584-AD9F-8B4F-7DAEFC174DA5}"/>
-              </a:ext>
-            </a:extLst>
-          </p:cNvPr>
-          <p:cNvPicPr>
-            <a:picLocks noChangeAspect="1"/>
-          </p:cNvPicPr>
-          <p:nvPr/>
-        </p:nvPicPr>
-        <p:blipFill>
-          <a:blip r:embed="rId7"/>
-          <a:stretch>
-            <a:fillRect/>
-          </a:stretch>
-        </p:blipFill>
-        <p:spPr>
-          <a:xfrm>
-            <a:off x="7297276" y="5106335"/>
-            <a:ext cx="3954692" cy="1632305"/>
-          </a:xfrm>
-          <a:prstGeom prst="rect">
-            <a:avLst/>
-          </a:prstGeom>
-        </p:spPr>
-      </p:pic>
-      <p:sp>
-        <p:nvSpPr>
-          <p:cNvPr id="20" name="Elipse 19">
-            <a:extLst>
-              <a:ext uri="{FF2B5EF4-FFF2-40B4-BE49-F238E27FC236}">
-                <a16:creationId xmlns:a16="http://schemas.microsoft.com/office/drawing/2014/main" id="{D32A9276-DACF-19A8-F46F-E8E86DFDA69C}"/>
-              </a:ext>
-            </a:extLst>
-          </p:cNvPr>
-          <p:cNvSpPr/>
-          <p:nvPr/>
-        </p:nvSpPr>
-        <p:spPr>
-          <a:xfrm>
-            <a:off x="11322870" y="142839"/>
-            <a:ext cx="629265" cy="629265"/>
-          </a:xfrm>
-          <a:prstGeom prst="ellipse">
-            <a:avLst/>
-          </a:prstGeom>
-        </p:spPr>
-        <p:style>
-          <a:lnRef idx="2">
-            <a:schemeClr val="accent1">
-              <a:shade val="15000"/>
-            </a:schemeClr>
-          </a:lnRef>
-          <a:fillRef idx="1">
-            <a:schemeClr val="accent1"/>
-          </a:fillRef>
-          <a:effectRef idx="0">
-            <a:schemeClr val="accent1"/>
-          </a:effectRef>
-          <a:fontRef idx="minor">
-            <a:schemeClr val="lt1"/>
-          </a:fontRef>
-        </p:style>
-        <p:txBody>
-          <a:bodyPr rtlCol="0" anchor="ctr"/>
-          <a:lstStyle/>
-          <a:p>
-            <a:pPr algn="ctr"/>
-            <a:r>
-              <a:rPr lang="es-ES" sz="3200" b="1" dirty="0"/>
-              <a:t>1</a:t>
-            </a:r>
-          </a:p>
-        </p:txBody>
-      </p:sp>
-    </p:spTree>
-    <p:extLst>
-      <p:ext uri="{BB962C8B-B14F-4D97-AF65-F5344CB8AC3E}">
-        <p14:creationId xmlns:p14="http://schemas.microsoft.com/office/powerpoint/2010/main" val="3793691543"/>
-      </p:ext>
-    </p:extLst>
-  </p:cSld>
-  <p:clrMapOvr>
-    <a:masterClrMapping/>
-  </p:clrMapOvr>
-</p:sld>
-</file>
-
-<file path=ppt/slides/slide6.xml><?xml version="1.0" encoding="utf-8"?>
-<p:sld xmlns:a="http://schemas.openxmlformats.org/drawingml/2006/main" xmlns:r="http://schemas.openxmlformats.org/officeDocument/2006/relationships" xmlns:p="http://schemas.openxmlformats.org/presentationml/2006/main">
-  <p:cSld>
-    <p:spTree>
-      <p:nvGrpSpPr>
-        <p:cNvPr id="1" name=""/>
-        <p:cNvGrpSpPr/>
-        <p:nvPr/>
-      </p:nvGrpSpPr>
-      <p:grpSpPr>
-        <a:xfrm>
-          <a:off x="0" y="0"/>
-          <a:ext cx="0" cy="0"/>
-          <a:chOff x="0" y="0"/>
-          <a:chExt cx="0" cy="0"/>
-        </a:xfrm>
-      </p:grpSpPr>
-      <p:sp>
-        <p:nvSpPr>
-          <p:cNvPr id="7" name="CuadroTexto 6">
-            <a:extLst>
-              <a:ext uri="{FF2B5EF4-FFF2-40B4-BE49-F238E27FC236}">
-                <a16:creationId xmlns:a16="http://schemas.microsoft.com/office/drawing/2014/main" id="{3C9D5B8B-E55C-F823-6A1E-5EA8DD258F59}"/>
-              </a:ext>
-            </a:extLst>
-          </p:cNvPr>
-          <p:cNvSpPr txBox="1"/>
-          <p:nvPr/>
-        </p:nvSpPr>
-        <p:spPr>
-          <a:xfrm>
-            <a:off x="166636" y="229691"/>
-            <a:ext cx="5929364" cy="2400657"/>
-          </a:xfrm>
-          <a:prstGeom prst="rect">
-            <a:avLst/>
-          </a:prstGeom>
-          <a:noFill/>
-        </p:spPr>
-        <p:txBody>
-          <a:bodyPr wrap="square" rtlCol="0">
-            <a:spAutoFit/>
-          </a:bodyPr>
-          <a:lstStyle/>
-          <a:p>
-            <a:pPr algn="ctr"/>
-            <a:r>
-              <a:rPr lang="es-ES" sz="2400" b="1" u="sng" dirty="0"/>
-              <a:t>VIEWS</a:t>
-            </a:r>
-          </a:p>
-          <a:p>
-            <a:endParaRPr lang="es-ES" b="1" dirty="0"/>
-          </a:p>
-          <a:p>
-            <a:pPr algn="just"/>
-            <a:r>
-              <a:rPr lang="es-ES" b="1" dirty="0"/>
-              <a:t>Objetivo</a:t>
-            </a:r>
-            <a:r>
-              <a:rPr lang="es-ES" dirty="0"/>
-              <a:t>: generar y visualizar el </a:t>
-            </a:r>
-            <a:r>
-              <a:rPr lang="es-ES" dirty="0" err="1"/>
-              <a:t>frame</a:t>
-            </a:r>
-            <a:r>
-              <a:rPr lang="es-ES" dirty="0"/>
-              <a:t> acorde a la acción deseada que ha sido seleccionada en el </a:t>
-            </a:r>
-            <a:r>
-              <a:rPr lang="es-ES" dirty="0" err="1"/>
-              <a:t>MainFrame</a:t>
-            </a:r>
-            <a:r>
-              <a:rPr lang="es-ES" dirty="0"/>
-              <a:t>.</a:t>
-            </a:r>
-          </a:p>
-          <a:p>
-            <a:pPr algn="just"/>
-            <a:endParaRPr lang="es-ES" dirty="0"/>
-          </a:p>
-          <a:p>
-            <a:pPr algn="just"/>
-            <a:r>
-              <a:rPr lang="es-ES" dirty="0"/>
-              <a:t>La View consta de todos aquellos atributos y campos necesarios para generar una estructura clara y funcional para el usuario</a:t>
-            </a:r>
-          </a:p>
-        </p:txBody>
-      </p:sp>
-      <p:sp>
-        <p:nvSpPr>
-          <p:cNvPr id="9" name="CuadroTexto 8">
-            <a:extLst>
-              <a:ext uri="{FF2B5EF4-FFF2-40B4-BE49-F238E27FC236}">
-                <a16:creationId xmlns:a16="http://schemas.microsoft.com/office/drawing/2014/main" id="{86E17B59-5C1E-E79C-2A3C-471D725734A3}"/>
-              </a:ext>
-            </a:extLst>
-          </p:cNvPr>
-          <p:cNvSpPr txBox="1"/>
-          <p:nvPr/>
-        </p:nvSpPr>
-        <p:spPr>
-          <a:xfrm>
-            <a:off x="166636" y="2805688"/>
-            <a:ext cx="5922992" cy="369332"/>
-          </a:xfrm>
-          <a:prstGeom prst="rect">
-            <a:avLst/>
-          </a:prstGeom>
-          <a:noFill/>
-        </p:spPr>
-        <p:txBody>
-          <a:bodyPr wrap="square" rtlCol="0">
-            <a:spAutoFit/>
-          </a:bodyPr>
-          <a:lstStyle/>
-          <a:p>
-            <a:r>
-              <a:rPr lang="es-ES" dirty="0"/>
-              <a:t>Las vistas que hemos generado han sido:</a:t>
-            </a:r>
-          </a:p>
-        </p:txBody>
-      </p:sp>
-      <p:sp>
-        <p:nvSpPr>
-          <p:cNvPr id="12" name="CuadroTexto 11">
-            <a:extLst>
-              <a:ext uri="{FF2B5EF4-FFF2-40B4-BE49-F238E27FC236}">
-                <a16:creationId xmlns:a16="http://schemas.microsoft.com/office/drawing/2014/main" id="{BF8DC8C6-9967-C5D0-DEF6-0EFA26F8DFA2}"/>
-              </a:ext>
-            </a:extLst>
-          </p:cNvPr>
-          <p:cNvSpPr txBox="1"/>
-          <p:nvPr/>
-        </p:nvSpPr>
-        <p:spPr>
-          <a:xfrm>
-            <a:off x="6194322" y="866696"/>
-            <a:ext cx="5997678" cy="5078313"/>
-          </a:xfrm>
-          <a:prstGeom prst="rect">
-            <a:avLst/>
-          </a:prstGeom>
-          <a:noFill/>
-        </p:spPr>
-        <p:txBody>
-          <a:bodyPr wrap="square" rtlCol="0">
-            <a:spAutoFit/>
-          </a:bodyPr>
-          <a:lstStyle/>
-          <a:p>
-            <a:r>
-              <a:rPr lang="es-ES" dirty="0"/>
-              <a:t>Estos son algunos elementos típicos que se utilizan para…</a:t>
-            </a:r>
-          </a:p>
-          <a:p>
-            <a:pPr marL="742950" lvl="1" indent="-285750">
-              <a:buFont typeface="Arial" panose="020B0604020202020204" pitchFamily="34" charset="0"/>
-              <a:buChar char="•"/>
-            </a:pPr>
-            <a:r>
-              <a:rPr lang="es-ES" dirty="0"/>
-              <a:t> Rellenar campos con información</a:t>
-            </a:r>
-          </a:p>
-          <a:p>
-            <a:pPr lvl="1"/>
-            <a:endParaRPr lang="es-ES" dirty="0"/>
-          </a:p>
-          <a:p>
-            <a:pPr lvl="1"/>
-            <a:endParaRPr lang="es-ES" dirty="0"/>
-          </a:p>
-          <a:p>
-            <a:pPr lvl="1"/>
-            <a:endParaRPr lang="es-ES" dirty="0"/>
-          </a:p>
-          <a:p>
-            <a:pPr lvl="1"/>
-            <a:endParaRPr lang="es-ES" dirty="0"/>
-          </a:p>
-          <a:p>
-            <a:pPr lvl="1"/>
-            <a:endParaRPr lang="es-ES" dirty="0"/>
-          </a:p>
-          <a:p>
-            <a:pPr marL="742950" lvl="1" indent="-285750">
-              <a:buFont typeface="Arial" panose="020B0604020202020204" pitchFamily="34" charset="0"/>
-              <a:buChar char="•"/>
-            </a:pPr>
-            <a:r>
-              <a:rPr lang="es-ES" dirty="0"/>
-              <a:t>Identificar los campos de la </a:t>
-            </a:r>
-            <a:r>
-              <a:rPr lang="es-ES" dirty="0" err="1"/>
-              <a:t>view</a:t>
-            </a:r>
-            <a:r>
-              <a:rPr lang="es-ES" dirty="0"/>
-              <a:t> y agregar campos:</a:t>
-            </a:r>
-          </a:p>
-          <a:p>
-            <a:pPr lvl="1"/>
-            <a:endParaRPr lang="es-ES" dirty="0"/>
-          </a:p>
-          <a:p>
-            <a:pPr lvl="1"/>
-            <a:endParaRPr lang="es-ES" dirty="0"/>
-          </a:p>
-          <a:p>
-            <a:pPr lvl="1"/>
-            <a:endParaRPr lang="es-ES" dirty="0"/>
-          </a:p>
-          <a:p>
-            <a:pPr lvl="1"/>
-            <a:endParaRPr lang="es-ES" dirty="0"/>
-          </a:p>
-          <a:p>
-            <a:pPr lvl="1"/>
-            <a:endParaRPr lang="es-ES" dirty="0"/>
-          </a:p>
-          <a:p>
-            <a:pPr marL="742950" lvl="1" indent="-285750">
-              <a:buFont typeface="Arial" panose="020B0604020202020204" pitchFamily="34" charset="0"/>
-              <a:buChar char="•"/>
-            </a:pPr>
-            <a:r>
-              <a:rPr lang="es-ES" dirty="0"/>
-              <a:t>Establecer conexión con los controladores:</a:t>
-            </a:r>
-          </a:p>
-          <a:p>
-            <a:pPr marL="742950" lvl="1" indent="-285750">
-              <a:buFont typeface="Arial" panose="020B0604020202020204" pitchFamily="34" charset="0"/>
-              <a:buChar char="•"/>
-            </a:pPr>
-            <a:endParaRPr lang="es-ES" dirty="0"/>
-          </a:p>
-          <a:p>
-            <a:pPr marL="742950" lvl="1" indent="-285750">
-              <a:buFont typeface="Arial" panose="020B0604020202020204" pitchFamily="34" charset="0"/>
-              <a:buChar char="•"/>
-            </a:pPr>
-            <a:endParaRPr lang="es-ES" dirty="0"/>
-          </a:p>
-          <a:p>
-            <a:pPr marL="742950" lvl="1" indent="-285750">
-              <a:buFont typeface="Arial" panose="020B0604020202020204" pitchFamily="34" charset="0"/>
-              <a:buChar char="•"/>
-            </a:pPr>
-            <a:endParaRPr lang="es-ES" dirty="0"/>
-          </a:p>
-          <a:p>
-            <a:pPr marL="742950" lvl="1" indent="-285750">
-              <a:buFont typeface="Arial" panose="020B0604020202020204" pitchFamily="34" charset="0"/>
-              <a:buChar char="•"/>
-            </a:pPr>
-            <a:r>
-              <a:rPr lang="es-ES" dirty="0"/>
-              <a:t>Indicar información adicional:</a:t>
-            </a:r>
-          </a:p>
-        </p:txBody>
-      </p:sp>
-      <p:pic>
-        <p:nvPicPr>
-          <p:cNvPr id="4" name="Imagen 3">
-            <a:extLst>
-              <a:ext uri="{FF2B5EF4-FFF2-40B4-BE49-F238E27FC236}">
-                <a16:creationId xmlns:a16="http://schemas.microsoft.com/office/drawing/2014/main" id="{12CFCAFD-8283-0546-1F7A-3ADF227C91A0}"/>
-              </a:ext>
-            </a:extLst>
-          </p:cNvPr>
-          <p:cNvPicPr>
-            <a:picLocks noChangeAspect="1"/>
-          </p:cNvPicPr>
-          <p:nvPr/>
-        </p:nvPicPr>
-        <p:blipFill>
-          <a:blip r:embed="rId2"/>
-          <a:stretch>
-            <a:fillRect/>
-          </a:stretch>
-        </p:blipFill>
-        <p:spPr>
-          <a:xfrm>
-            <a:off x="326239" y="3227781"/>
-            <a:ext cx="2600250" cy="2317613"/>
-          </a:xfrm>
-          <a:prstGeom prst="rect">
-            <a:avLst/>
-          </a:prstGeom>
-        </p:spPr>
-      </p:pic>
-      <p:pic>
-        <p:nvPicPr>
-          <p:cNvPr id="8" name="Imagen 7">
-            <a:extLst>
-              <a:ext uri="{FF2B5EF4-FFF2-40B4-BE49-F238E27FC236}">
-                <a16:creationId xmlns:a16="http://schemas.microsoft.com/office/drawing/2014/main" id="{A7F7F190-D70D-1C71-029F-024256F9ADF1}"/>
-              </a:ext>
-            </a:extLst>
-          </p:cNvPr>
-          <p:cNvPicPr>
-            <a:picLocks noChangeAspect="1"/>
-          </p:cNvPicPr>
-          <p:nvPr/>
-        </p:nvPicPr>
-        <p:blipFill>
-          <a:blip r:embed="rId3"/>
-          <a:stretch>
-            <a:fillRect/>
-          </a:stretch>
-        </p:blipFill>
-        <p:spPr>
-          <a:xfrm>
-            <a:off x="7056325" y="1464387"/>
-            <a:ext cx="4198984" cy="1165961"/>
-          </a:xfrm>
-          <a:prstGeom prst="rect">
-            <a:avLst/>
-          </a:prstGeom>
-        </p:spPr>
-      </p:pic>
-      <p:pic>
-        <p:nvPicPr>
-          <p:cNvPr id="13" name="Imagen 12">
-            <a:extLst>
-              <a:ext uri="{FF2B5EF4-FFF2-40B4-BE49-F238E27FC236}">
-                <a16:creationId xmlns:a16="http://schemas.microsoft.com/office/drawing/2014/main" id="{F420A5F0-4DC7-BBF2-A8AF-EF5D6FD57528}"/>
-              </a:ext>
-            </a:extLst>
-          </p:cNvPr>
-          <p:cNvPicPr>
-            <a:picLocks noChangeAspect="1"/>
-          </p:cNvPicPr>
-          <p:nvPr/>
-        </p:nvPicPr>
-        <p:blipFill>
-          <a:blip r:embed="rId4"/>
-          <a:stretch>
-            <a:fillRect/>
-          </a:stretch>
-        </p:blipFill>
-        <p:spPr>
-          <a:xfrm>
-            <a:off x="7059785" y="3145519"/>
-            <a:ext cx="2941575" cy="1082134"/>
-          </a:xfrm>
-          <a:prstGeom prst="rect">
-            <a:avLst/>
-          </a:prstGeom>
-        </p:spPr>
-      </p:pic>
-      <p:pic>
-        <p:nvPicPr>
-          <p:cNvPr id="16" name="Imagen 15">
-            <a:extLst>
-              <a:ext uri="{FF2B5EF4-FFF2-40B4-BE49-F238E27FC236}">
-                <a16:creationId xmlns:a16="http://schemas.microsoft.com/office/drawing/2014/main" id="{0CC7598A-1016-701A-2155-783E74A36601}"/>
-              </a:ext>
-            </a:extLst>
-          </p:cNvPr>
-          <p:cNvPicPr>
-            <a:picLocks noChangeAspect="1"/>
-          </p:cNvPicPr>
-          <p:nvPr/>
-        </p:nvPicPr>
-        <p:blipFill>
-          <a:blip r:embed="rId5"/>
-          <a:stretch>
-            <a:fillRect/>
-          </a:stretch>
-        </p:blipFill>
-        <p:spPr>
-          <a:xfrm>
-            <a:off x="7056325" y="4815605"/>
-            <a:ext cx="4618120" cy="594412"/>
-          </a:xfrm>
-          <a:prstGeom prst="rect">
-            <a:avLst/>
-          </a:prstGeom>
-        </p:spPr>
-      </p:pic>
-      <p:pic>
-        <p:nvPicPr>
-          <p:cNvPr id="22" name="Imagen 21">
-            <a:extLst>
-              <a:ext uri="{FF2B5EF4-FFF2-40B4-BE49-F238E27FC236}">
-                <a16:creationId xmlns:a16="http://schemas.microsoft.com/office/drawing/2014/main" id="{D51BA0D0-C781-A7F8-00AB-EBA43FBD47E8}"/>
-              </a:ext>
-            </a:extLst>
-          </p:cNvPr>
-          <p:cNvPicPr>
-            <a:picLocks noChangeAspect="1"/>
-          </p:cNvPicPr>
-          <p:nvPr/>
-        </p:nvPicPr>
-        <p:blipFill>
-          <a:blip r:embed="rId6"/>
-          <a:stretch>
-            <a:fillRect/>
-          </a:stretch>
-        </p:blipFill>
-        <p:spPr>
-          <a:xfrm>
-            <a:off x="7087009" y="5894538"/>
-            <a:ext cx="4214225" cy="762066"/>
-          </a:xfrm>
-          <a:prstGeom prst="rect">
-            <a:avLst/>
-          </a:prstGeom>
-        </p:spPr>
-      </p:pic>
-      <p:sp>
-        <p:nvSpPr>
-          <p:cNvPr id="23" name="Elipse 22">
-            <a:extLst>
-              <a:ext uri="{FF2B5EF4-FFF2-40B4-BE49-F238E27FC236}">
-                <a16:creationId xmlns:a16="http://schemas.microsoft.com/office/drawing/2014/main" id="{2C492F9A-9E19-C35E-FEBB-7A816476E0E7}"/>
-              </a:ext>
-            </a:extLst>
-          </p:cNvPr>
-          <p:cNvSpPr/>
-          <p:nvPr/>
-        </p:nvSpPr>
-        <p:spPr>
-          <a:xfrm>
-            <a:off x="11322870" y="142839"/>
-            <a:ext cx="629265" cy="629265"/>
-          </a:xfrm>
-          <a:prstGeom prst="ellipse">
-            <a:avLst/>
-          </a:prstGeom>
-        </p:spPr>
-        <p:style>
-          <a:lnRef idx="2">
-            <a:schemeClr val="accent1">
-              <a:shade val="15000"/>
-            </a:schemeClr>
-          </a:lnRef>
-          <a:fillRef idx="1">
-            <a:schemeClr val="accent1"/>
-          </a:fillRef>
-          <a:effectRef idx="0">
-            <a:schemeClr val="accent1"/>
-          </a:effectRef>
-          <a:fontRef idx="minor">
-            <a:schemeClr val="lt1"/>
-          </a:fontRef>
-        </p:style>
-        <p:txBody>
-          <a:bodyPr rtlCol="0" anchor="ctr"/>
-          <a:lstStyle/>
-          <a:p>
-            <a:pPr algn="ctr"/>
-            <a:r>
-              <a:rPr lang="es-ES" sz="3200" b="1" dirty="0"/>
-              <a:t>1</a:t>
-            </a:r>
-          </a:p>
-        </p:txBody>
-      </p:sp>
-    </p:spTree>
-    <p:extLst>
-      <p:ext uri="{BB962C8B-B14F-4D97-AF65-F5344CB8AC3E}">
-        <p14:creationId xmlns:p14="http://schemas.microsoft.com/office/powerpoint/2010/main" val="1171166500"/>
-      </p:ext>
-    </p:extLst>
-  </p:cSld>
-  <p:clrMapOvr>
-    <a:masterClrMapping/>
-  </p:clrMapOvr>
-</p:sld>
-</file>
-
-<file path=ppt/slides/slide7.xml><?xml version="1.0" encoding="utf-8"?>
-<p:sld xmlns:a="http://schemas.openxmlformats.org/drawingml/2006/main" xmlns:r="http://schemas.openxmlformats.org/officeDocument/2006/relationships" xmlns:p="http://schemas.openxmlformats.org/presentationml/2006/main">
-  <p:cSld>
-    <p:spTree>
-      <p:nvGrpSpPr>
-        <p:cNvPr id="1" name=""/>
-        <p:cNvGrpSpPr/>
-        <p:nvPr/>
-      </p:nvGrpSpPr>
-      <p:grpSpPr>
-        <a:xfrm>
-          <a:off x="0" y="0"/>
-          <a:ext cx="0" cy="0"/>
-          <a:chOff x="0" y="0"/>
-          <a:chExt cx="0" cy="0"/>
-        </a:xfrm>
-      </p:grpSpPr>
-      <p:sp>
-        <p:nvSpPr>
-          <p:cNvPr id="7" name="CuadroTexto 6">
-            <a:extLst>
-              <a:ext uri="{FF2B5EF4-FFF2-40B4-BE49-F238E27FC236}">
-                <a16:creationId xmlns:a16="http://schemas.microsoft.com/office/drawing/2014/main" id="{3C9D5B8B-E55C-F823-6A1E-5EA8DD258F59}"/>
-              </a:ext>
-            </a:extLst>
-          </p:cNvPr>
-          <p:cNvSpPr txBox="1"/>
-          <p:nvPr/>
-        </p:nvSpPr>
-        <p:spPr>
-          <a:xfrm>
-            <a:off x="3131318" y="162770"/>
-            <a:ext cx="5929364" cy="461665"/>
-          </a:xfrm>
-          <a:prstGeom prst="rect">
-            <a:avLst/>
-          </a:prstGeom>
-          <a:noFill/>
-        </p:spPr>
-        <p:txBody>
-          <a:bodyPr wrap="square" rtlCol="0">
-            <a:spAutoFit/>
-          </a:bodyPr>
-          <a:lstStyle/>
-          <a:p>
-            <a:pPr algn="ctr"/>
-            <a:r>
-              <a:rPr lang="es-ES" sz="2400" b="1" u="sng" dirty="0"/>
-              <a:t>VIEWS: ejemplos</a:t>
-            </a:r>
-          </a:p>
-        </p:txBody>
-      </p:sp>
-      <p:grpSp>
-        <p:nvGrpSpPr>
-          <p:cNvPr id="5" name="Grupo 4">
-            <a:extLst>
-              <a:ext uri="{FF2B5EF4-FFF2-40B4-BE49-F238E27FC236}">
-                <a16:creationId xmlns:a16="http://schemas.microsoft.com/office/drawing/2014/main" id="{2BE14FAA-1A77-BA10-2334-8563D3D90FA8}"/>
-              </a:ext>
-            </a:extLst>
-          </p:cNvPr>
-          <p:cNvGrpSpPr/>
-          <p:nvPr/>
-        </p:nvGrpSpPr>
-        <p:grpSpPr>
-          <a:xfrm>
-            <a:off x="283714" y="1158198"/>
-            <a:ext cx="3079245" cy="3852345"/>
-            <a:chOff x="314194" y="1158198"/>
-            <a:chExt cx="3079245" cy="3852345"/>
-          </a:xfrm>
-        </p:grpSpPr>
-        <p:pic>
-          <p:nvPicPr>
-            <p:cNvPr id="2" name="Imagen 1">
-              <a:extLst>
-                <a:ext uri="{FF2B5EF4-FFF2-40B4-BE49-F238E27FC236}">
-                  <a16:creationId xmlns:a16="http://schemas.microsoft.com/office/drawing/2014/main" id="{1F3BFB3F-D05D-38D4-0179-D4DA0AC8D8A8}"/>
-                </a:ext>
-              </a:extLst>
-            </p:cNvPr>
-            <p:cNvPicPr>
-              <a:picLocks noChangeAspect="1"/>
-            </p:cNvPicPr>
-            <p:nvPr/>
-          </p:nvPicPr>
-          <p:blipFill rotWithShape="1">
-            <a:blip r:embed="rId2"/>
-            <a:srcRect r="48699"/>
-            <a:stretch/>
-          </p:blipFill>
-          <p:spPr>
-            <a:xfrm>
-              <a:off x="314194" y="1558308"/>
-              <a:ext cx="3079245" cy="3452235"/>
-            </a:xfrm>
-            <a:prstGeom prst="rect">
-              <a:avLst/>
-            </a:prstGeom>
-          </p:spPr>
-        </p:pic>
-        <p:sp>
-          <p:nvSpPr>
-            <p:cNvPr id="3" name="CuadroTexto 2">
-              <a:extLst>
-                <a:ext uri="{FF2B5EF4-FFF2-40B4-BE49-F238E27FC236}">
-                  <a16:creationId xmlns:a16="http://schemas.microsoft.com/office/drawing/2014/main" id="{C025254D-F05C-ED6B-6068-FF1D36ECC43E}"/>
-                </a:ext>
-              </a:extLst>
-            </p:cNvPr>
-            <p:cNvSpPr txBox="1"/>
-            <p:nvPr/>
-          </p:nvSpPr>
-          <p:spPr>
-            <a:xfrm>
-              <a:off x="602423" y="1158198"/>
-              <a:ext cx="2502786" cy="400110"/>
-            </a:xfrm>
-            <a:prstGeom prst="rect">
-              <a:avLst/>
-            </a:prstGeom>
-            <a:noFill/>
-          </p:spPr>
-          <p:txBody>
-            <a:bodyPr wrap="square" rtlCol="0">
-              <a:spAutoFit/>
-            </a:bodyPr>
-            <a:lstStyle/>
-            <a:p>
-              <a:pPr algn="ctr"/>
-              <a:r>
-                <a:rPr lang="es-ES" sz="2000" b="1" u="sng" dirty="0" err="1"/>
-                <a:t>MainFrame</a:t>
-              </a:r>
-              <a:endParaRPr lang="es-ES" sz="2000" b="1" u="sng" dirty="0"/>
-            </a:p>
-          </p:txBody>
-        </p:sp>
-      </p:grpSp>
-      <p:pic>
-        <p:nvPicPr>
-          <p:cNvPr id="10" name="Imagen 9">
-            <a:extLst>
-              <a:ext uri="{FF2B5EF4-FFF2-40B4-BE49-F238E27FC236}">
-                <a16:creationId xmlns:a16="http://schemas.microsoft.com/office/drawing/2014/main" id="{890D6C65-586E-E06D-903F-25447A3650BC}"/>
-              </a:ext>
-            </a:extLst>
-          </p:cNvPr>
-          <p:cNvPicPr>
-            <a:picLocks noChangeAspect="1"/>
-          </p:cNvPicPr>
-          <p:nvPr/>
-        </p:nvPicPr>
-        <p:blipFill>
-          <a:blip r:embed="rId3"/>
-          <a:stretch>
-            <a:fillRect/>
-          </a:stretch>
-        </p:blipFill>
-        <p:spPr>
-          <a:xfrm>
-            <a:off x="4097582" y="2274650"/>
-            <a:ext cx="3749365" cy="2857748"/>
-          </a:xfrm>
-          <a:prstGeom prst="rect">
-            <a:avLst/>
-          </a:prstGeom>
-        </p:spPr>
-      </p:pic>
-      <p:pic>
-        <p:nvPicPr>
-          <p:cNvPr id="14" name="Imagen 13">
-            <a:extLst>
-              <a:ext uri="{FF2B5EF4-FFF2-40B4-BE49-F238E27FC236}">
-                <a16:creationId xmlns:a16="http://schemas.microsoft.com/office/drawing/2014/main" id="{3A294BD4-8171-FE79-DFF0-0B63AD433397}"/>
-              </a:ext>
-            </a:extLst>
-          </p:cNvPr>
-          <p:cNvPicPr>
-            <a:picLocks noChangeAspect="1"/>
-          </p:cNvPicPr>
-          <p:nvPr/>
-        </p:nvPicPr>
-        <p:blipFill>
-          <a:blip r:embed="rId4"/>
-          <a:stretch>
-            <a:fillRect/>
-          </a:stretch>
-        </p:blipFill>
-        <p:spPr>
-          <a:xfrm>
-            <a:off x="8174162" y="2298997"/>
-            <a:ext cx="3734124" cy="1432684"/>
-          </a:xfrm>
-          <a:prstGeom prst="rect">
-            <a:avLst/>
-          </a:prstGeom>
-        </p:spPr>
-      </p:pic>
-      <p:sp>
-        <p:nvSpPr>
-          <p:cNvPr id="15" name="Rectángulo 14">
-            <a:extLst>
-              <a:ext uri="{FF2B5EF4-FFF2-40B4-BE49-F238E27FC236}">
-                <a16:creationId xmlns:a16="http://schemas.microsoft.com/office/drawing/2014/main" id="{DFA00DA1-CE9E-F711-ED76-DA607293C490}"/>
-              </a:ext>
-            </a:extLst>
-          </p:cNvPr>
-          <p:cNvSpPr/>
-          <p:nvPr/>
-        </p:nvSpPr>
-        <p:spPr>
-          <a:xfrm>
-            <a:off x="690880" y="2323344"/>
-            <a:ext cx="2502786" cy="531616"/>
-          </a:xfrm>
-          <a:prstGeom prst="rect">
-            <a:avLst/>
-          </a:prstGeom>
-          <a:noFill/>
-          <a:ln w="28575">
-            <a:solidFill>
-              <a:srgbClr val="FFC000"/>
-            </a:solidFill>
-          </a:ln>
-        </p:spPr>
-        <p:style>
-          <a:lnRef idx="2">
-            <a:schemeClr val="accent1">
-              <a:shade val="15000"/>
-            </a:schemeClr>
-          </a:lnRef>
-          <a:fillRef idx="1">
-            <a:schemeClr val="accent1"/>
-          </a:fillRef>
-          <a:effectRef idx="0">
-            <a:schemeClr val="accent1"/>
-          </a:effectRef>
-          <a:fontRef idx="minor">
-            <a:schemeClr val="lt1"/>
-          </a:fontRef>
-        </p:style>
-        <p:txBody>
-          <a:bodyPr rtlCol="0" anchor="ctr"/>
-          <a:lstStyle/>
-          <a:p>
-            <a:pPr algn="ctr"/>
-            <a:endParaRPr lang="es-ES"/>
-          </a:p>
-        </p:txBody>
-      </p:sp>
-      <p:cxnSp>
-        <p:nvCxnSpPr>
-          <p:cNvPr id="17" name="Conector: angular 16">
-            <a:extLst>
-              <a:ext uri="{FF2B5EF4-FFF2-40B4-BE49-F238E27FC236}">
-                <a16:creationId xmlns:a16="http://schemas.microsoft.com/office/drawing/2014/main" id="{73A2DEA4-59E1-0AC7-42E5-6226B8BF579C}"/>
-              </a:ext>
-            </a:extLst>
-          </p:cNvPr>
-          <p:cNvCxnSpPr>
-            <a:cxnSpLocks/>
-            <a:stCxn id="15" idx="0"/>
-            <a:endCxn id="10" idx="0"/>
-          </p:cNvCxnSpPr>
-          <p:nvPr/>
-        </p:nvCxnSpPr>
-        <p:spPr>
-          <a:xfrm rot="5400000" flipH="1" flipV="1">
-            <a:off x="3932922" y="284001"/>
-            <a:ext cx="48694" cy="4029992"/>
-          </a:xfrm>
-          <a:prstGeom prst="bentConnector3">
-            <a:avLst>
-              <a:gd name="adj1" fmla="val 569462"/>
-            </a:avLst>
-          </a:prstGeom>
-          <a:ln w="28575">
-            <a:solidFill>
-              <a:srgbClr val="FFC000"/>
-            </a:solidFill>
-            <a:tailEnd type="triangle"/>
-          </a:ln>
-        </p:spPr>
-        <p:style>
-          <a:lnRef idx="2">
-            <a:schemeClr val="accent1"/>
-          </a:lnRef>
-          <a:fillRef idx="0">
-            <a:schemeClr val="accent1"/>
-          </a:fillRef>
-          <a:effectRef idx="1">
-            <a:schemeClr val="accent1"/>
-          </a:effectRef>
-          <a:fontRef idx="minor">
-            <a:schemeClr val="tx1"/>
-          </a:fontRef>
-        </p:style>
-      </p:cxnSp>
-      <p:sp>
-        <p:nvSpPr>
-          <p:cNvPr id="25" name="Rectángulo 24">
-            <a:extLst>
-              <a:ext uri="{FF2B5EF4-FFF2-40B4-BE49-F238E27FC236}">
-                <a16:creationId xmlns:a16="http://schemas.microsoft.com/office/drawing/2014/main" id="{E500FBC8-F5F9-48A7-7907-DA1DBCC4C8B8}"/>
-              </a:ext>
-            </a:extLst>
-          </p:cNvPr>
-          <p:cNvSpPr/>
-          <p:nvPr/>
-        </p:nvSpPr>
-        <p:spPr>
-          <a:xfrm>
-            <a:off x="690880" y="4003041"/>
-            <a:ext cx="2502786" cy="531616"/>
-          </a:xfrm>
-          <a:prstGeom prst="rect">
-            <a:avLst/>
-          </a:prstGeom>
-          <a:noFill/>
-          <a:ln w="28575">
-            <a:solidFill>
-              <a:srgbClr val="FFC000"/>
-            </a:solidFill>
-          </a:ln>
-        </p:spPr>
-        <p:style>
-          <a:lnRef idx="2">
-            <a:schemeClr val="accent1">
-              <a:shade val="15000"/>
-            </a:schemeClr>
-          </a:lnRef>
-          <a:fillRef idx="1">
-            <a:schemeClr val="accent1"/>
-          </a:fillRef>
-          <a:effectRef idx="0">
-            <a:schemeClr val="accent1"/>
-          </a:effectRef>
-          <a:fontRef idx="minor">
-            <a:schemeClr val="lt1"/>
-          </a:fontRef>
-        </p:style>
-        <p:txBody>
-          <a:bodyPr rtlCol="0" anchor="ctr"/>
-          <a:lstStyle/>
-          <a:p>
-            <a:pPr algn="ctr"/>
-            <a:endParaRPr lang="es-ES"/>
-          </a:p>
-        </p:txBody>
-      </p:sp>
-      <p:cxnSp>
-        <p:nvCxnSpPr>
-          <p:cNvPr id="26" name="Conector: angular 25">
-            <a:extLst>
-              <a:ext uri="{FF2B5EF4-FFF2-40B4-BE49-F238E27FC236}">
-                <a16:creationId xmlns:a16="http://schemas.microsoft.com/office/drawing/2014/main" id="{E6778FC2-822C-64E2-784C-5586D93FDF46}"/>
-              </a:ext>
-            </a:extLst>
-          </p:cNvPr>
-          <p:cNvCxnSpPr>
-            <a:cxnSpLocks/>
-            <a:stCxn id="25" idx="2"/>
-            <a:endCxn id="14" idx="2"/>
-          </p:cNvCxnSpPr>
-          <p:nvPr/>
-        </p:nvCxnSpPr>
-        <p:spPr>
-          <a:xfrm rot="5400000" flipH="1" flipV="1">
-            <a:off x="5590260" y="83693"/>
-            <a:ext cx="802976" cy="8098951"/>
-          </a:xfrm>
-          <a:prstGeom prst="bentConnector3">
-            <a:avLst>
-              <a:gd name="adj1" fmla="val -120836"/>
-            </a:avLst>
-          </a:prstGeom>
-          <a:ln w="28575">
-            <a:solidFill>
-              <a:srgbClr val="FFC000"/>
-            </a:solidFill>
-            <a:tailEnd type="triangle"/>
-          </a:ln>
-        </p:spPr>
-        <p:style>
-          <a:lnRef idx="2">
-            <a:schemeClr val="accent1"/>
-          </a:lnRef>
-          <a:fillRef idx="0">
-            <a:schemeClr val="accent1"/>
-          </a:fillRef>
-          <a:effectRef idx="1">
-            <a:schemeClr val="accent1"/>
-          </a:effectRef>
-          <a:fontRef idx="minor">
-            <a:schemeClr val="tx1"/>
-          </a:fontRef>
-        </p:style>
-      </p:cxnSp>
-      <p:sp>
-        <p:nvSpPr>
-          <p:cNvPr id="30" name="Elipse 29">
-            <a:extLst>
-              <a:ext uri="{FF2B5EF4-FFF2-40B4-BE49-F238E27FC236}">
-                <a16:creationId xmlns:a16="http://schemas.microsoft.com/office/drawing/2014/main" id="{8453A1C8-86DF-0B35-EE7A-7BAF4F1DFD9F}"/>
-              </a:ext>
-            </a:extLst>
-          </p:cNvPr>
-          <p:cNvSpPr/>
-          <p:nvPr/>
-        </p:nvSpPr>
-        <p:spPr>
-          <a:xfrm>
-            <a:off x="11322870" y="142839"/>
-            <a:ext cx="629265" cy="629265"/>
-          </a:xfrm>
-          <a:prstGeom prst="ellipse">
-            <a:avLst/>
-          </a:prstGeom>
-        </p:spPr>
-        <p:style>
-          <a:lnRef idx="2">
-            <a:schemeClr val="accent1">
-              <a:shade val="15000"/>
-            </a:schemeClr>
-          </a:lnRef>
-          <a:fillRef idx="1">
-            <a:schemeClr val="accent1"/>
-          </a:fillRef>
-          <a:effectRef idx="0">
-            <a:schemeClr val="accent1"/>
-          </a:effectRef>
-          <a:fontRef idx="minor">
-            <a:schemeClr val="lt1"/>
-          </a:fontRef>
-        </p:style>
-        <p:txBody>
-          <a:bodyPr rtlCol="0" anchor="ctr"/>
-          <a:lstStyle/>
-          <a:p>
-            <a:pPr algn="ctr"/>
-            <a:r>
-              <a:rPr lang="es-ES" sz="3200" b="1" dirty="0"/>
-              <a:t>1</a:t>
-            </a:r>
-          </a:p>
-        </p:txBody>
-      </p:sp>
-    </p:spTree>
-    <p:extLst>
-      <p:ext uri="{BB962C8B-B14F-4D97-AF65-F5344CB8AC3E}">
-        <p14:creationId xmlns:p14="http://schemas.microsoft.com/office/powerpoint/2010/main" val="1396185984"/>
-      </p:ext>
-    </p:extLst>
-  </p:cSld>
-  <p:clrMapOvr>
-    <a:masterClrMapping/>
-  </p:clrMapOvr>
-</p:sld>
-</file>
-
-<file path=ppt/slides/slide8.xml><?xml version="1.0" encoding="utf-8"?>
-<p:sld xmlns:a="http://schemas.openxmlformats.org/drawingml/2006/main" xmlns:r="http://schemas.openxmlformats.org/officeDocument/2006/relationships" xmlns:p="http://schemas.openxmlformats.org/presentationml/2006/main">
-  <p:cSld>
-    <p:spTree>
-      <p:nvGrpSpPr>
-        <p:cNvPr id="1" name=""/>
-        <p:cNvGrpSpPr/>
-        <p:nvPr/>
-      </p:nvGrpSpPr>
-      <p:grpSpPr>
-        <a:xfrm>
-          <a:off x="0" y="0"/>
-          <a:ext cx="0" cy="0"/>
-          <a:chOff x="0" y="0"/>
-          <a:chExt cx="0" cy="0"/>
-        </a:xfrm>
-      </p:grpSpPr>
-      <p:sp>
-        <p:nvSpPr>
-          <p:cNvPr id="8" name="CuadroTexto 7">
-            <a:extLst>
-              <a:ext uri="{FF2B5EF4-FFF2-40B4-BE49-F238E27FC236}">
-                <a16:creationId xmlns:a16="http://schemas.microsoft.com/office/drawing/2014/main" id="{E5D817FA-5021-C44F-AF10-D416344C2287}"/>
-              </a:ext>
-            </a:extLst>
-          </p:cNvPr>
-          <p:cNvSpPr txBox="1"/>
-          <p:nvPr/>
-        </p:nvSpPr>
-        <p:spPr>
-          <a:xfrm>
-            <a:off x="341753" y="912562"/>
-            <a:ext cx="4741525" cy="369332"/>
-          </a:xfrm>
-          <a:prstGeom prst="rect">
-            <a:avLst/>
-          </a:prstGeom>
-          <a:noFill/>
-        </p:spPr>
-        <p:txBody>
-          <a:bodyPr wrap="square" rtlCol="0">
-            <a:spAutoFit/>
-          </a:bodyPr>
-          <a:lstStyle/>
-          <a:p>
-            <a:r>
-              <a:rPr lang="es-ES" dirty="0"/>
-              <a:t>DB mvc_db1 creada para realizar el ejercicio:</a:t>
-            </a:r>
-          </a:p>
-        </p:txBody>
-      </p:sp>
-      <p:cxnSp>
-        <p:nvCxnSpPr>
-          <p:cNvPr id="12" name="Conector: angular 11">
-            <a:extLst>
-              <a:ext uri="{FF2B5EF4-FFF2-40B4-BE49-F238E27FC236}">
-                <a16:creationId xmlns:a16="http://schemas.microsoft.com/office/drawing/2014/main" id="{B5785E3B-25BC-9478-AA64-8599D33632B9}"/>
-              </a:ext>
-            </a:extLst>
-          </p:cNvPr>
-          <p:cNvCxnSpPr>
-            <a:cxnSpLocks/>
-            <a:stCxn id="15" idx="2"/>
-            <a:endCxn id="14" idx="1"/>
-          </p:cNvCxnSpPr>
-          <p:nvPr/>
-        </p:nvCxnSpPr>
-        <p:spPr>
-          <a:xfrm rot="16200000" flipH="1">
-            <a:off x="2252823" y="3296191"/>
-            <a:ext cx="685860" cy="1345144"/>
-          </a:xfrm>
-          <a:prstGeom prst="bentConnector2">
-            <a:avLst/>
-          </a:prstGeom>
-          <a:ln w="28575">
-            <a:solidFill>
-              <a:srgbClr val="FFC000"/>
-            </a:solidFill>
-            <a:tailEnd type="triangle"/>
-          </a:ln>
-        </p:spPr>
-        <p:style>
-          <a:lnRef idx="2">
-            <a:schemeClr val="accent1"/>
-          </a:lnRef>
-          <a:fillRef idx="0">
-            <a:schemeClr val="accent1"/>
-          </a:fillRef>
-          <a:effectRef idx="1">
-            <a:schemeClr val="accent1"/>
-          </a:effectRef>
-          <a:fontRef idx="minor">
-            <a:schemeClr val="tx1"/>
-          </a:fontRef>
-        </p:style>
-      </p:cxnSp>
-      <p:pic>
-        <p:nvPicPr>
-          <p:cNvPr id="5" name="Imagen 4">
-            <a:extLst>
-              <a:ext uri="{FF2B5EF4-FFF2-40B4-BE49-F238E27FC236}">
-                <a16:creationId xmlns:a16="http://schemas.microsoft.com/office/drawing/2014/main" id="{920ABE16-5961-DF56-02E6-95435D16EEA6}"/>
-              </a:ext>
-            </a:extLst>
-          </p:cNvPr>
-          <p:cNvPicPr>
-            <a:picLocks noChangeAspect="1"/>
-          </p:cNvPicPr>
-          <p:nvPr/>
-        </p:nvPicPr>
-        <p:blipFill>
-          <a:blip r:embed="rId2"/>
-          <a:stretch>
-            <a:fillRect/>
-          </a:stretch>
-        </p:blipFill>
-        <p:spPr>
-          <a:xfrm>
-            <a:off x="892232" y="2188318"/>
-            <a:ext cx="1734930" cy="1437515"/>
-          </a:xfrm>
-          <a:prstGeom prst="rect">
-            <a:avLst/>
-          </a:prstGeom>
-        </p:spPr>
-      </p:pic>
-      <p:pic>
-        <p:nvPicPr>
-          <p:cNvPr id="11" name="Imagen 10">
-            <a:extLst>
-              <a:ext uri="{FF2B5EF4-FFF2-40B4-BE49-F238E27FC236}">
-                <a16:creationId xmlns:a16="http://schemas.microsoft.com/office/drawing/2014/main" id="{82127105-39E3-C68B-EB62-941B897FA99B}"/>
-              </a:ext>
-            </a:extLst>
-          </p:cNvPr>
-          <p:cNvPicPr>
-            <a:picLocks noChangeAspect="1"/>
-          </p:cNvPicPr>
-          <p:nvPr/>
-        </p:nvPicPr>
-        <p:blipFill>
-          <a:blip r:embed="rId3"/>
-          <a:stretch>
-            <a:fillRect/>
-          </a:stretch>
-        </p:blipFill>
-        <p:spPr>
-          <a:xfrm>
-            <a:off x="3245463" y="1354982"/>
-            <a:ext cx="1562235" cy="2141406"/>
-          </a:xfrm>
-          <a:prstGeom prst="rect">
-            <a:avLst/>
-          </a:prstGeom>
-        </p:spPr>
-      </p:pic>
-      <p:pic>
-        <p:nvPicPr>
-          <p:cNvPr id="14" name="Imagen 13">
-            <a:extLst>
-              <a:ext uri="{FF2B5EF4-FFF2-40B4-BE49-F238E27FC236}">
-                <a16:creationId xmlns:a16="http://schemas.microsoft.com/office/drawing/2014/main" id="{6206EDA6-7FFB-36C5-2555-00BABBECBC3D}"/>
-              </a:ext>
-            </a:extLst>
-          </p:cNvPr>
-          <p:cNvPicPr>
-            <a:picLocks noChangeAspect="1"/>
-          </p:cNvPicPr>
-          <p:nvPr/>
-        </p:nvPicPr>
-        <p:blipFill>
-          <a:blip r:embed="rId4"/>
-          <a:stretch>
-            <a:fillRect/>
-          </a:stretch>
-        </p:blipFill>
-        <p:spPr>
-          <a:xfrm>
-            <a:off x="3268325" y="3625833"/>
-            <a:ext cx="1539373" cy="1371719"/>
-          </a:xfrm>
-          <a:prstGeom prst="rect">
-            <a:avLst/>
-          </a:prstGeom>
-        </p:spPr>
-      </p:pic>
-      <p:sp>
-        <p:nvSpPr>
-          <p:cNvPr id="15" name="Rectángulo 14">
-            <a:extLst>
-              <a:ext uri="{FF2B5EF4-FFF2-40B4-BE49-F238E27FC236}">
-                <a16:creationId xmlns:a16="http://schemas.microsoft.com/office/drawing/2014/main" id="{47E2F656-22B0-FA01-CA6B-7EA0B5F7266A}"/>
-              </a:ext>
-            </a:extLst>
-          </p:cNvPr>
-          <p:cNvSpPr/>
-          <p:nvPr/>
-        </p:nvSpPr>
-        <p:spPr>
-          <a:xfrm>
-            <a:off x="1219200" y="3288159"/>
-            <a:ext cx="1407962" cy="337674"/>
-          </a:xfrm>
-          <a:prstGeom prst="rect">
-            <a:avLst/>
-          </a:prstGeom>
-          <a:noFill/>
-          <a:ln w="28575">
-            <a:solidFill>
-              <a:srgbClr val="FFC000"/>
-            </a:solidFill>
-          </a:ln>
-        </p:spPr>
-        <p:style>
-          <a:lnRef idx="2">
-            <a:schemeClr val="accent1">
-              <a:shade val="15000"/>
-            </a:schemeClr>
-          </a:lnRef>
-          <a:fillRef idx="1">
-            <a:schemeClr val="accent1"/>
-          </a:fillRef>
-          <a:effectRef idx="0">
-            <a:schemeClr val="accent1"/>
-          </a:effectRef>
-          <a:fontRef idx="minor">
-            <a:schemeClr val="lt1"/>
-          </a:fontRef>
-        </p:style>
-        <p:txBody>
-          <a:bodyPr rtlCol="0" anchor="ctr"/>
-          <a:lstStyle/>
-          <a:p>
-            <a:pPr algn="ctr"/>
-            <a:endParaRPr lang="es-ES"/>
-          </a:p>
-        </p:txBody>
-      </p:sp>
-      <p:sp>
-        <p:nvSpPr>
-          <p:cNvPr id="16" name="Rectángulo 15">
-            <a:extLst>
-              <a:ext uri="{FF2B5EF4-FFF2-40B4-BE49-F238E27FC236}">
-                <a16:creationId xmlns:a16="http://schemas.microsoft.com/office/drawing/2014/main" id="{B651E897-3902-B271-A2CE-B41DE43E5AAB}"/>
-              </a:ext>
-            </a:extLst>
-          </p:cNvPr>
-          <p:cNvSpPr/>
-          <p:nvPr/>
-        </p:nvSpPr>
-        <p:spPr>
-          <a:xfrm>
-            <a:off x="1219200" y="2882493"/>
-            <a:ext cx="1407962" cy="337674"/>
-          </a:xfrm>
-          <a:prstGeom prst="rect">
-            <a:avLst/>
-          </a:prstGeom>
-          <a:noFill/>
-          <a:ln w="28575">
-            <a:solidFill>
-              <a:srgbClr val="FFC000"/>
-            </a:solidFill>
-          </a:ln>
-        </p:spPr>
-        <p:style>
-          <a:lnRef idx="2">
-            <a:schemeClr val="accent1">
-              <a:shade val="15000"/>
-            </a:schemeClr>
-          </a:lnRef>
-          <a:fillRef idx="1">
-            <a:schemeClr val="accent1"/>
-          </a:fillRef>
-          <a:effectRef idx="0">
-            <a:schemeClr val="accent1"/>
-          </a:effectRef>
-          <a:fontRef idx="minor">
-            <a:schemeClr val="lt1"/>
-          </a:fontRef>
-        </p:style>
-        <p:txBody>
-          <a:bodyPr rtlCol="0" anchor="ctr"/>
-          <a:lstStyle/>
-          <a:p>
-            <a:pPr algn="ctr"/>
-            <a:endParaRPr lang="es-ES"/>
-          </a:p>
-        </p:txBody>
-      </p:sp>
-      <p:cxnSp>
-        <p:nvCxnSpPr>
-          <p:cNvPr id="19" name="Conector: angular 18">
-            <a:extLst>
-              <a:ext uri="{FF2B5EF4-FFF2-40B4-BE49-F238E27FC236}">
-                <a16:creationId xmlns:a16="http://schemas.microsoft.com/office/drawing/2014/main" id="{237E8B38-8CD8-5798-E464-02E666CB0FFE}"/>
-              </a:ext>
-            </a:extLst>
-          </p:cNvPr>
-          <p:cNvCxnSpPr>
-            <a:cxnSpLocks/>
-            <a:stCxn id="16" idx="3"/>
-            <a:endCxn id="11" idx="1"/>
-          </p:cNvCxnSpPr>
-          <p:nvPr/>
-        </p:nvCxnSpPr>
-        <p:spPr>
-          <a:xfrm flipV="1">
-            <a:off x="2627162" y="2425685"/>
-            <a:ext cx="618301" cy="625645"/>
-          </a:xfrm>
-          <a:prstGeom prst="bentConnector3">
-            <a:avLst>
-              <a:gd name="adj1" fmla="val 50000"/>
-            </a:avLst>
-          </a:prstGeom>
-          <a:ln w="28575">
-            <a:solidFill>
-              <a:srgbClr val="FFC000"/>
-            </a:solidFill>
-            <a:tailEnd type="triangle"/>
-          </a:ln>
-        </p:spPr>
-        <p:style>
-          <a:lnRef idx="2">
-            <a:schemeClr val="accent1"/>
-          </a:lnRef>
-          <a:fillRef idx="0">
-            <a:schemeClr val="accent1"/>
-          </a:fillRef>
-          <a:effectRef idx="1">
-            <a:schemeClr val="accent1"/>
-          </a:effectRef>
-          <a:fontRef idx="minor">
-            <a:schemeClr val="tx1"/>
-          </a:fontRef>
-        </p:style>
-      </p:cxnSp>
-      <p:pic>
-        <p:nvPicPr>
-          <p:cNvPr id="24" name="Imagen 23">
-            <a:extLst>
-              <a:ext uri="{FF2B5EF4-FFF2-40B4-BE49-F238E27FC236}">
-                <a16:creationId xmlns:a16="http://schemas.microsoft.com/office/drawing/2014/main" id="{77438F0E-A601-2DA7-ECCE-375D2295C909}"/>
-              </a:ext>
-            </a:extLst>
-          </p:cNvPr>
-          <p:cNvPicPr>
-            <a:picLocks noChangeAspect="1"/>
-          </p:cNvPicPr>
-          <p:nvPr/>
-        </p:nvPicPr>
-        <p:blipFill>
-          <a:blip r:embed="rId5"/>
-          <a:stretch>
-            <a:fillRect/>
-          </a:stretch>
-        </p:blipFill>
-        <p:spPr>
-          <a:xfrm>
-            <a:off x="5285193" y="1467418"/>
-            <a:ext cx="6726059" cy="3490373"/>
-          </a:xfrm>
-          <a:prstGeom prst="rect">
-            <a:avLst/>
-          </a:prstGeom>
-        </p:spPr>
-      </p:pic>
-      <p:sp>
-        <p:nvSpPr>
-          <p:cNvPr id="25" name="CuadroTexto 24">
-            <a:extLst>
-              <a:ext uri="{FF2B5EF4-FFF2-40B4-BE49-F238E27FC236}">
-                <a16:creationId xmlns:a16="http://schemas.microsoft.com/office/drawing/2014/main" id="{3B6FC72E-0079-84D1-513C-BBFF988AC2EC}"/>
-              </a:ext>
-            </a:extLst>
-          </p:cNvPr>
-          <p:cNvSpPr txBox="1"/>
-          <p:nvPr/>
-        </p:nvSpPr>
-        <p:spPr>
-          <a:xfrm>
-            <a:off x="5226200" y="905000"/>
-            <a:ext cx="4741525" cy="369332"/>
-          </a:xfrm>
-          <a:prstGeom prst="rect">
-            <a:avLst/>
-          </a:prstGeom>
-          <a:noFill/>
-        </p:spPr>
-        <p:txBody>
-          <a:bodyPr wrap="square" rtlCol="0">
-            <a:spAutoFit/>
-          </a:bodyPr>
-          <a:lstStyle/>
-          <a:p>
-            <a:r>
-              <a:rPr lang="es-ES" dirty="0"/>
-              <a:t>Controlador para la conexión con la DB:</a:t>
-            </a:r>
-          </a:p>
-        </p:txBody>
-      </p:sp>
-      <p:pic>
-        <p:nvPicPr>
-          <p:cNvPr id="27" name="Imagen 26">
-            <a:extLst>
-              <a:ext uri="{FF2B5EF4-FFF2-40B4-BE49-F238E27FC236}">
-                <a16:creationId xmlns:a16="http://schemas.microsoft.com/office/drawing/2014/main" id="{C694AD95-869B-2F4D-CFB2-402E24BF41BD}"/>
-              </a:ext>
-            </a:extLst>
-          </p:cNvPr>
-          <p:cNvPicPr>
-            <a:picLocks noChangeAspect="1"/>
-          </p:cNvPicPr>
-          <p:nvPr/>
-        </p:nvPicPr>
-        <p:blipFill>
-          <a:blip r:embed="rId6"/>
-          <a:stretch>
-            <a:fillRect/>
-          </a:stretch>
-        </p:blipFill>
-        <p:spPr>
-          <a:xfrm>
-            <a:off x="7880613" y="4997552"/>
-            <a:ext cx="4130639" cy="1700852"/>
-          </a:xfrm>
-          <a:prstGeom prst="rect">
-            <a:avLst/>
-          </a:prstGeom>
-        </p:spPr>
-      </p:pic>
-      <p:sp>
-        <p:nvSpPr>
           <p:cNvPr id="28" name="Elipse 27">
             <a:extLst>
               <a:ext uri="{FF2B5EF4-FFF2-40B4-BE49-F238E27FC236}">
@@ -6591,17 +3876,17 @@
             <a:pPr algn="ctr"/>
             <a:r>
               <a:rPr lang="es-ES" sz="3200" b="1" dirty="0"/>
-              <a:t>2</a:t>
-            </a:r>
-          </a:p>
-        </p:txBody>
-      </p:sp>
-      <p:sp>
-        <p:nvSpPr>
-          <p:cNvPr id="29" name="CuadroTexto 28">
-            <a:extLst>
-              <a:ext uri="{FF2B5EF4-FFF2-40B4-BE49-F238E27FC236}">
-                <a16:creationId xmlns:a16="http://schemas.microsoft.com/office/drawing/2014/main" id="{F2918F20-A593-29E5-EFA3-D66603260A8F}"/>
+              <a:t>3</a:t>
+            </a:r>
+          </a:p>
+        </p:txBody>
+      </p:sp>
+      <p:sp>
+        <p:nvSpPr>
+          <p:cNvPr id="4" name="CuadroTexto 3">
+            <a:extLst>
+              <a:ext uri="{FF2B5EF4-FFF2-40B4-BE49-F238E27FC236}">
+                <a16:creationId xmlns:a16="http://schemas.microsoft.com/office/drawing/2014/main" id="{69E1707E-7C12-CDDC-6121-66E39447A360}"/>
               </a:ext>
             </a:extLst>
           </p:cNvPr>
@@ -6610,45 +3895,187 @@
         </p:nvSpPr>
         <p:spPr>
           <a:xfrm>
-            <a:off x="586562" y="5264050"/>
-            <a:ext cx="7010400" cy="1200329"/>
+            <a:off x="218571" y="938532"/>
+            <a:ext cx="4399149" cy="5355312"/>
           </a:xfrm>
           <a:prstGeom prst="rect">
             <a:avLst/>
           </a:prstGeom>
           <a:noFill/>
+        </p:spPr>
+        <p:txBody>
+          <a:bodyPr wrap="square" rtlCol="0">
+            <a:spAutoFit/>
+          </a:bodyPr>
+          <a:lstStyle/>
+          <a:p>
+            <a:r>
+              <a:rPr lang="es-ES" dirty="0"/>
+              <a:t>La receta estrella del </a:t>
+            </a:r>
+            <a:r>
+              <a:rPr lang="es-ES" dirty="0" err="1"/>
+              <a:t>TechTalent</a:t>
+            </a:r>
+            <a:r>
+              <a:rPr lang="es-ES" dirty="0"/>
+              <a:t>.</a:t>
+            </a:r>
+          </a:p>
+          <a:p>
+            <a:endParaRPr lang="es-ES" dirty="0"/>
+          </a:p>
+          <a:p>
+            <a:r>
+              <a:rPr lang="es-ES" dirty="0"/>
+              <a:t>He aprovechado el </a:t>
+            </a:r>
+            <a:r>
+              <a:rPr lang="es-ES" dirty="0" err="1"/>
+              <a:t>html</a:t>
+            </a:r>
+            <a:r>
+              <a:rPr lang="es-ES" dirty="0"/>
+              <a:t> del ejercicio 1. He modificado el formato para adecuarlo al ejercicio, manteniendo el menú de hipervínculos de secciones que ya teníamos anteriormente (con un estilo de lista simple).</a:t>
+            </a:r>
+          </a:p>
+          <a:p>
+            <a:endParaRPr lang="es-ES" dirty="0"/>
+          </a:p>
+          <a:p>
+            <a:r>
+              <a:rPr lang="es-ES" dirty="0"/>
+              <a:t>He modificado brevemente el contenido para que encajase con la imagen que he puesto de fondo. Casualmente, al colocarla como </a:t>
+            </a:r>
+            <a:r>
+              <a:rPr lang="es-ES" b="0" dirty="0" err="1">
+                <a:solidFill>
+                  <a:srgbClr val="9CDCFE"/>
+                </a:solidFill>
+                <a:effectLst/>
+                <a:highlight>
+                  <a:srgbClr val="1F1F1F"/>
+                </a:highlight>
+                <a:latin typeface="Consolas" panose="020B0609020204030204" pitchFamily="49" charset="0"/>
+              </a:rPr>
+              <a:t>background-size</a:t>
+            </a:r>
+            <a:r>
+              <a:rPr lang="es-ES" b="0" dirty="0">
+                <a:solidFill>
+                  <a:srgbClr val="CCCCCC"/>
+                </a:solidFill>
+                <a:effectLst/>
+                <a:highlight>
+                  <a:srgbClr val="1F1F1F"/>
+                </a:highlight>
+                <a:latin typeface="Consolas" panose="020B0609020204030204" pitchFamily="49" charset="0"/>
+              </a:rPr>
+              <a:t>: </a:t>
+            </a:r>
+            <a:r>
+              <a:rPr lang="es-ES" b="0" dirty="0" err="1">
+                <a:solidFill>
+                  <a:srgbClr val="CE9178"/>
+                </a:solidFill>
+                <a:effectLst/>
+                <a:highlight>
+                  <a:srgbClr val="1F1F1F"/>
+                </a:highlight>
+                <a:latin typeface="Consolas" panose="020B0609020204030204" pitchFamily="49" charset="0"/>
+              </a:rPr>
+              <a:t>contain</a:t>
+            </a:r>
+            <a:r>
+              <a:rPr lang="es-ES" b="0" dirty="0">
+                <a:solidFill>
+                  <a:srgbClr val="CCCCCC"/>
+                </a:solidFill>
+                <a:effectLst/>
+                <a:highlight>
+                  <a:srgbClr val="1F1F1F"/>
+                </a:highlight>
+                <a:latin typeface="Consolas" panose="020B0609020204030204" pitchFamily="49" charset="0"/>
+              </a:rPr>
+              <a:t>;</a:t>
+            </a:r>
+            <a:r>
+              <a:rPr lang="es-ES" dirty="0"/>
+              <a:t> queda bastante bien, así que no la he redimensionado.</a:t>
+            </a:r>
+          </a:p>
+          <a:p>
+            <a:endParaRPr lang="es-ES" dirty="0"/>
+          </a:p>
+          <a:p>
+            <a:r>
+              <a:rPr lang="es-ES" dirty="0"/>
+              <a:t>La lista ordenada la hice con </a:t>
+            </a:r>
+            <a:r>
+              <a:rPr lang="es-ES" dirty="0" err="1"/>
+              <a:t>style</a:t>
+            </a:r>
+            <a:r>
+              <a:rPr lang="es-ES" dirty="0"/>
+              <a:t> en vez de </a:t>
+            </a:r>
+            <a:r>
+              <a:rPr lang="es-ES" dirty="0" err="1"/>
+              <a:t>list</a:t>
+            </a:r>
+            <a:r>
+              <a:rPr lang="es-ES" dirty="0"/>
+              <a:t>.</a:t>
+            </a:r>
+          </a:p>
+          <a:p>
+            <a:r>
+              <a:rPr lang="es-ES" dirty="0"/>
+              <a:t> </a:t>
+            </a:r>
+          </a:p>
+        </p:txBody>
+      </p:sp>
+      <p:pic>
+        <p:nvPicPr>
+          <p:cNvPr id="3" name="Imagen 2">
+            <a:extLst>
+              <a:ext uri="{FF2B5EF4-FFF2-40B4-BE49-F238E27FC236}">
+                <a16:creationId xmlns:a16="http://schemas.microsoft.com/office/drawing/2014/main" id="{F4E71812-1061-82FA-6B3C-709C0E3D916A}"/>
+              </a:ext>
+            </a:extLst>
+          </p:cNvPr>
+          <p:cNvPicPr>
+            <a:picLocks noChangeAspect="1"/>
+          </p:cNvPicPr>
+          <p:nvPr/>
+        </p:nvPicPr>
+        <p:blipFill>
+          <a:blip r:embed="rId2"/>
+          <a:stretch>
+            <a:fillRect/>
+          </a:stretch>
+        </p:blipFill>
+        <p:spPr>
+          <a:xfrm>
+            <a:off x="5693142" y="198491"/>
+            <a:ext cx="6468378" cy="5601482"/>
+          </a:xfrm>
+          <a:prstGeom prst="rect">
+            <a:avLst/>
+          </a:prstGeom>
           <a:ln>
             <a:solidFill>
-              <a:schemeClr val="tx1"/>
+              <a:srgbClr val="0070C0"/>
             </a:solidFill>
           </a:ln>
         </p:spPr>
-        <p:txBody>
-          <a:bodyPr wrap="square" rtlCol="0">
-            <a:spAutoFit/>
-          </a:bodyPr>
-          <a:lstStyle/>
-          <a:p>
-            <a:r>
-              <a:rPr lang="es-ES" dirty="0"/>
-              <a:t>A partir de las necesidades del enunciado se crea la base de datos necesaria para la gestión de los datos.</a:t>
-            </a:r>
-          </a:p>
-          <a:p>
-            <a:endParaRPr lang="es-ES" dirty="0"/>
-          </a:p>
-          <a:p>
-            <a:r>
-              <a:rPr lang="es-ES" dirty="0"/>
-              <a:t>Establecemos la conexión a la DB con el controlador apropiado.</a:t>
-            </a:r>
-          </a:p>
-        </p:txBody>
-      </p:sp>
+      </p:pic>
     </p:spTree>
     <p:extLst>
       <p:ext uri="{BB962C8B-B14F-4D97-AF65-F5344CB8AC3E}">
-        <p14:creationId xmlns:p14="http://schemas.microsoft.com/office/powerpoint/2010/main" val="3468661899"/>
+        <p14:creationId xmlns:p14="http://schemas.microsoft.com/office/powerpoint/2010/main" val="27350235"/>
       </p:ext>
     </p:extLst>
   </p:cSld>
